--- a/events/2021-09-15/slides/02-security.pptx
+++ b/events/2021-09-15/slides/02-security.pptx
@@ -5,22 +5,21 @@
     <p:sldMasterId id="2147483660" r:id="rId1"/>
   </p:sldMasterIdLst>
   <p:notesMasterIdLst>
-    <p:notesMasterId r:id="rId15"/>
+    <p:notesMasterId r:id="rId14"/>
   </p:notesMasterIdLst>
   <p:sldIdLst>
     <p:sldId id="256" r:id="rId2"/>
     <p:sldId id="1278" r:id="rId3"/>
     <p:sldId id="1282" r:id="rId4"/>
-    <p:sldId id="1287" r:id="rId5"/>
-    <p:sldId id="1279" r:id="rId6"/>
-    <p:sldId id="1281" r:id="rId7"/>
-    <p:sldId id="1283" r:id="rId8"/>
-    <p:sldId id="1291" r:id="rId9"/>
-    <p:sldId id="1289" r:id="rId10"/>
-    <p:sldId id="1288" r:id="rId11"/>
-    <p:sldId id="1286" r:id="rId12"/>
-    <p:sldId id="1290" r:id="rId13"/>
-    <p:sldId id="1284" r:id="rId14"/>
+    <p:sldId id="1279" r:id="rId5"/>
+    <p:sldId id="1281" r:id="rId6"/>
+    <p:sldId id="1283" r:id="rId7"/>
+    <p:sldId id="1291" r:id="rId8"/>
+    <p:sldId id="1289" r:id="rId9"/>
+    <p:sldId id="1288" r:id="rId10"/>
+    <p:sldId id="1286" r:id="rId11"/>
+    <p:sldId id="1290" r:id="rId12"/>
+    <p:sldId id="1284" r:id="rId13"/>
   </p:sldIdLst>
   <p:sldSz cx="9144000" cy="6858000" type="screen4x3"/>
   <p:notesSz cx="6858000" cy="9144000"/>
@@ -254,7 +253,7 @@
             <a:fld id="{35305EB0-020F-4995-961E-A35B2BB78D2B}" type="datetimeFigureOut">
               <a:rPr kumimoji="1" lang="ja-JP" altLang="en-US" smtClean="0"/>
               <a:pPr/>
-              <a:t>2021/9/14</a:t>
+              <a:t>2021/9/15</a:t>
             </a:fld>
             <a:endParaRPr kumimoji="1" lang="ja-JP" altLang="en-US"/>
           </a:p>
@@ -617,7 +616,7 @@
             <a:fld id="{FD842DED-4B9B-4568-AC85-B50FA0785511}" type="slidenum">
               <a:rPr kumimoji="1" lang="ja-JP" altLang="en-US" smtClean="0"/>
               <a:pPr/>
-              <a:t>7</a:t>
+              <a:t>6</a:t>
             </a:fld>
             <a:endParaRPr kumimoji="1" lang="ja-JP" altLang="en-US"/>
           </a:p>
@@ -52642,446 +52641,6 @@
       </p:grpSpPr>
       <p:sp>
         <p:nvSpPr>
-          <p:cNvPr id="8" name="テキスト プレースホルダー 7">
-            <a:extLst>
-              <a:ext uri="{FF2B5EF4-FFF2-40B4-BE49-F238E27FC236}">
-                <a16:creationId xmlns:a16="http://schemas.microsoft.com/office/drawing/2014/main" id="{3C041269-B6E1-49DE-80B8-78135E25D335}"/>
-              </a:ext>
-            </a:extLst>
-          </p:cNvPr>
-          <p:cNvSpPr>
-            <a:spLocks noGrp="1"/>
-          </p:cNvSpPr>
-          <p:nvPr>
-            <p:ph type="body" idx="4294967295"/>
-          </p:nvPr>
-        </p:nvSpPr>
-        <p:spPr/>
-        <p:txBody>
-          <a:bodyPr/>
-          <a:lstStyle/>
-          <a:p>
-            <a:r>
-              <a:rPr kumimoji="1" lang="ja-JP" altLang="en-US" dirty="0"/>
-              <a:t>後日 </a:t>
-            </a:r>
-            <a:r>
-              <a:rPr kumimoji="1" lang="en-US" altLang="ja-JP" dirty="0" err="1"/>
-              <a:t>utelecon</a:t>
-            </a:r>
-            <a:r>
-              <a:rPr kumimoji="1" lang="en-US" altLang="ja-JP" dirty="0"/>
-              <a:t> </a:t>
-            </a:r>
-            <a:r>
-              <a:rPr kumimoji="1" lang="ja-JP" altLang="en-US" dirty="0"/>
-              <a:t>にまとめます</a:t>
-            </a:r>
-          </a:p>
-        </p:txBody>
-      </p:sp>
-      <p:sp>
-        <p:nvSpPr>
-          <p:cNvPr id="2" name="タイトル 1">
-            <a:extLst>
-              <a:ext uri="{FF2B5EF4-FFF2-40B4-BE49-F238E27FC236}">
-                <a16:creationId xmlns:a16="http://schemas.microsoft.com/office/drawing/2014/main" id="{FA5B1B77-7F6E-4E41-B168-EC56B8290811}"/>
-              </a:ext>
-            </a:extLst>
-          </p:cNvPr>
-          <p:cNvSpPr>
-            <a:spLocks noGrp="1"/>
-          </p:cNvSpPr>
-          <p:nvPr>
-            <p:ph type="title"/>
-          </p:nvPr>
-        </p:nvSpPr>
-        <p:spPr/>
-        <p:txBody>
-          <a:bodyPr/>
-          <a:lstStyle/>
-          <a:p>
-            <a:r>
-              <a:rPr lang="ja-JP" altLang="en-US" dirty="0"/>
-              <a:t>設定方法</a:t>
-            </a:r>
-            <a:endParaRPr kumimoji="1" lang="ja-JP" altLang="en-US" dirty="0"/>
-          </a:p>
-        </p:txBody>
-      </p:sp>
-      <p:graphicFrame>
-        <p:nvGraphicFramePr>
-          <p:cNvPr id="7" name="表 7">
-            <a:extLst>
-              <a:ext uri="{FF2B5EF4-FFF2-40B4-BE49-F238E27FC236}">
-                <a16:creationId xmlns:a16="http://schemas.microsoft.com/office/drawing/2014/main" id="{4E0BE75E-6287-4FE7-BCF8-2B4BFB7D5115}"/>
-              </a:ext>
-            </a:extLst>
-          </p:cNvPr>
-          <p:cNvGraphicFramePr>
-            <a:graphicFrameLocks noGrp="1"/>
-          </p:cNvGraphicFramePr>
-          <p:nvPr>
-            <p:ph idx="1"/>
-            <p:extLst>
-              <p:ext uri="{D42A27DB-BD31-4B8C-83A1-F6EECF244321}">
-                <p14:modId xmlns:p14="http://schemas.microsoft.com/office/powerpoint/2010/main" val="2693585583"/>
-              </p:ext>
-            </p:extLst>
-          </p:nvPr>
-        </p:nvGraphicFramePr>
-        <p:xfrm>
-          <a:off x="143508" y="2060848"/>
-          <a:ext cx="8856984" cy="3022600"/>
-        </p:xfrm>
-        <a:graphic>
-          <a:graphicData uri="http://schemas.openxmlformats.org/drawingml/2006/table">
-            <a:tbl>
-              <a:tblPr firstRow="1" bandRow="1">
-                <a:tableStyleId>{5C22544A-7EE6-4342-B048-85BDC9FD1C3A}</a:tableStyleId>
-              </a:tblPr>
-              <a:tblGrid>
-                <a:gridCol w="1189601">
-                  <a:extLst>
-                    <a:ext uri="{9D8B030D-6E8A-4147-A177-3AD203B41FA5}">
-                      <a16:colId xmlns:a16="http://schemas.microsoft.com/office/drawing/2014/main" val="4072199928"/>
-                    </a:ext>
-                  </a:extLst>
-                </a:gridCol>
-                <a:gridCol w="3952374">
-                  <a:extLst>
-                    <a:ext uri="{9D8B030D-6E8A-4147-A177-3AD203B41FA5}">
-                      <a16:colId xmlns:a16="http://schemas.microsoft.com/office/drawing/2014/main" val="3763760006"/>
-                    </a:ext>
-                  </a:extLst>
-                </a:gridCol>
-                <a:gridCol w="3715009">
-                  <a:extLst>
-                    <a:ext uri="{9D8B030D-6E8A-4147-A177-3AD203B41FA5}">
-                      <a16:colId xmlns:a16="http://schemas.microsoft.com/office/drawing/2014/main" val="3661481327"/>
-                    </a:ext>
-                  </a:extLst>
-                </a:gridCol>
-              </a:tblGrid>
-              <a:tr h="370840">
-                <a:tc>
-                  <a:txBody>
-                    <a:bodyPr/>
-                    <a:lstStyle/>
-                    <a:p>
-                      <a:r>
-                        <a:rPr kumimoji="1" lang="en-US" altLang="ja-JP" dirty="0"/>
-                        <a:t>Account</a:t>
-                      </a:r>
-                      <a:endParaRPr kumimoji="1" lang="ja-JP" altLang="en-US" dirty="0"/>
-                    </a:p>
-                  </a:txBody>
-                  <a:tcPr/>
-                </a:tc>
-                <a:tc>
-                  <a:txBody>
-                    <a:bodyPr/>
-                    <a:lstStyle/>
-                    <a:p>
-                      <a:r>
-                        <a:rPr kumimoji="1" lang="ja-JP" altLang="en-US" dirty="0"/>
-                        <a:t>多要素認証設定</a:t>
-                      </a:r>
-                    </a:p>
-                  </a:txBody>
-                  <a:tcPr/>
-                </a:tc>
-                <a:tc>
-                  <a:txBody>
-                    <a:bodyPr/>
-                    <a:lstStyle/>
-                    <a:p>
-                      <a:r>
-                        <a:rPr kumimoji="1" lang="ja-JP" altLang="en-US" dirty="0"/>
-                        <a:t>パスワード変更</a:t>
-                      </a:r>
-                    </a:p>
-                  </a:txBody>
-                  <a:tcPr/>
-                </a:tc>
-                <a:extLst>
-                  <a:ext uri="{0D108BD9-81ED-4DB2-BD59-A6C34878D82A}">
-                    <a16:rowId xmlns:a16="http://schemas.microsoft.com/office/drawing/2014/main" val="1397794290"/>
-                  </a:ext>
-                </a:extLst>
-              </a:tr>
-              <a:tr h="370840">
-                <a:tc>
-                  <a:txBody>
-                    <a:bodyPr/>
-                    <a:lstStyle/>
-                    <a:p>
-                      <a:r>
-                        <a:rPr kumimoji="1" lang="en-US" altLang="ja-JP" dirty="0"/>
-                        <a:t>UTokyo</a:t>
-                      </a:r>
-                      <a:endParaRPr kumimoji="1" lang="ja-JP" altLang="en-US" dirty="0"/>
-                    </a:p>
-                  </a:txBody>
-                  <a:tcPr/>
-                </a:tc>
-                <a:tc>
-                  <a:txBody>
-                    <a:bodyPr/>
-                    <a:lstStyle/>
-                    <a:p>
-                      <a:r>
-                        <a:rPr kumimoji="1" lang="ja-JP" altLang="en-US" dirty="0"/>
-                        <a:t>（</a:t>
-                      </a:r>
-                      <a:r>
-                        <a:rPr kumimoji="1" lang="en-US" altLang="ja-JP" dirty="0"/>
-                        <a:t>9/27</a:t>
-                      </a:r>
-                      <a:r>
-                        <a:rPr kumimoji="1" lang="ja-JP" altLang="en-US" dirty="0"/>
-                        <a:t>以降）有効化 </a:t>
-                      </a:r>
-                      <a:r>
-                        <a:rPr kumimoji="1" lang="en-US" altLang="ja-JP" dirty="0">
-                          <a:hlinkClick r:id="rId2"/>
-                        </a:rPr>
-                        <a:t>https://utacm.adm.u-tokyo.ac.jp/webmtn/LoginServlet</a:t>
-                      </a:r>
-                      <a:r>
-                        <a:rPr kumimoji="1" lang="ja-JP" altLang="en-US" dirty="0"/>
-                        <a:t> </a:t>
-                      </a:r>
-                      <a:r>
-                        <a:rPr kumimoji="1" lang="ja-JP" altLang="en-US" dirty="0">
-                          <a:sym typeface="Symbol" panose="05050102010706020507" pitchFamily="18" charset="2"/>
-                        </a:rPr>
-                        <a:t> 設定 </a:t>
-                      </a:r>
-                      <a:r>
-                        <a:rPr kumimoji="1" lang="en-US" altLang="ja-JP" dirty="0">
-                          <a:sym typeface="Symbol" panose="05050102010706020507" pitchFamily="18" charset="2"/>
-                          <a:hlinkClick r:id="rId3"/>
-                        </a:rPr>
-                        <a:t>https://mysignins.microsoft.com/security-info?domain_hint=utac.u-tokyo.ac.jp</a:t>
-                      </a:r>
-                      <a:endParaRPr kumimoji="1" lang="en-US" altLang="ja-JP" dirty="0">
-                        <a:sym typeface="Symbol" panose="05050102010706020507" pitchFamily="18" charset="2"/>
-                      </a:endParaRPr>
-                    </a:p>
-                  </a:txBody>
-                  <a:tcPr/>
-                </a:tc>
-                <a:tc>
-                  <a:txBody>
-                    <a:bodyPr/>
-                    <a:lstStyle/>
-                    <a:p>
-                      <a:r>
-                        <a:rPr kumimoji="1" lang="en-US" altLang="ja-JP" dirty="0">
-                          <a:hlinkClick r:id="rId2"/>
-                        </a:rPr>
-                        <a:t>https://utacm.adm.u-tokyo.ac.jp/webmtn/LoginServlet</a:t>
-                      </a:r>
-                      <a:r>
-                        <a:rPr kumimoji="1" lang="ja-JP" altLang="en-US" dirty="0"/>
-                        <a:t> </a:t>
-                      </a:r>
-                    </a:p>
-                  </a:txBody>
-                  <a:tcPr/>
-                </a:tc>
-                <a:extLst>
-                  <a:ext uri="{0D108BD9-81ED-4DB2-BD59-A6C34878D82A}">
-                    <a16:rowId xmlns:a16="http://schemas.microsoft.com/office/drawing/2014/main" val="1831722643"/>
-                  </a:ext>
-                </a:extLst>
-              </a:tr>
-              <a:tr h="370840">
-                <a:tc>
-                  <a:txBody>
-                    <a:bodyPr/>
-                    <a:lstStyle/>
-                    <a:p>
-                      <a:r>
-                        <a:rPr kumimoji="1" lang="en-US" altLang="ja-JP" dirty="0"/>
-                        <a:t>Google</a:t>
-                      </a:r>
-                      <a:endParaRPr kumimoji="1" lang="ja-JP" altLang="en-US" dirty="0"/>
-                    </a:p>
-                  </a:txBody>
-                  <a:tcPr/>
-                </a:tc>
-                <a:tc>
-                  <a:txBody>
-                    <a:bodyPr/>
-                    <a:lstStyle/>
-                    <a:p>
-                      <a:r>
-                        <a:rPr kumimoji="1" lang="en-US" altLang="ja-JP" dirty="0">
-                          <a:hlinkClick r:id="rId4"/>
-                        </a:rPr>
-                        <a:t>https://myaccount.google.com/security</a:t>
-                      </a:r>
-                      <a:endParaRPr kumimoji="1" lang="en-US" altLang="ja-JP" dirty="0"/>
-                    </a:p>
-                  </a:txBody>
-                  <a:tcPr/>
-                </a:tc>
-                <a:tc>
-                  <a:txBody>
-                    <a:bodyPr/>
-                    <a:lstStyle/>
-                    <a:p>
-                      <a:r>
-                        <a:rPr kumimoji="1" lang="en-US" altLang="ja-JP" dirty="0">
-                          <a:hlinkClick r:id="rId5"/>
-                        </a:rPr>
-                        <a:t>https://idm.ecc.u-tokyo.ac.jp/webmtn/sso-saml</a:t>
-                      </a:r>
-                      <a:endParaRPr kumimoji="1" lang="en-US" altLang="ja-JP" dirty="0"/>
-                    </a:p>
-                  </a:txBody>
-                  <a:tcPr/>
-                </a:tc>
-                <a:extLst>
-                  <a:ext uri="{0D108BD9-81ED-4DB2-BD59-A6C34878D82A}">
-                    <a16:rowId xmlns:a16="http://schemas.microsoft.com/office/drawing/2014/main" val="3283867869"/>
-                  </a:ext>
-                </a:extLst>
-              </a:tr>
-            </a:tbl>
-          </a:graphicData>
-        </a:graphic>
-      </p:graphicFrame>
-      <p:sp>
-        <p:nvSpPr>
-          <p:cNvPr id="4" name="日付プレースホルダー 3">
-            <a:extLst>
-              <a:ext uri="{FF2B5EF4-FFF2-40B4-BE49-F238E27FC236}">
-                <a16:creationId xmlns:a16="http://schemas.microsoft.com/office/drawing/2014/main" id="{6A878805-C363-4BF3-BF39-5E24A351E8E9}"/>
-              </a:ext>
-            </a:extLst>
-          </p:cNvPr>
-          <p:cNvSpPr>
-            <a:spLocks noGrp="1"/>
-          </p:cNvSpPr>
-          <p:nvPr>
-            <p:ph type="dt" sz="half" idx="10"/>
-          </p:nvPr>
-        </p:nvSpPr>
-        <p:spPr/>
-        <p:txBody>
-          <a:bodyPr/>
-          <a:lstStyle/>
-          <a:p>
-            <a:r>
-              <a:rPr kumimoji="1" lang="en-US" altLang="ja-JP"/>
-              <a:t>2021/9/15</a:t>
-            </a:r>
-            <a:endParaRPr kumimoji="1" lang="ja-JP" altLang="en-US"/>
-          </a:p>
-        </p:txBody>
-      </p:sp>
-      <p:sp>
-        <p:nvSpPr>
-          <p:cNvPr id="5" name="フッター プレースホルダー 4">
-            <a:extLst>
-              <a:ext uri="{FF2B5EF4-FFF2-40B4-BE49-F238E27FC236}">
-                <a16:creationId xmlns:a16="http://schemas.microsoft.com/office/drawing/2014/main" id="{D4A6D400-8BAD-4379-9F5D-B83DEF6F91CC}"/>
-              </a:ext>
-            </a:extLst>
-          </p:cNvPr>
-          <p:cNvSpPr>
-            <a:spLocks noGrp="1"/>
-          </p:cNvSpPr>
-          <p:nvPr>
-            <p:ph type="ftr" sz="quarter" idx="11"/>
-          </p:nvPr>
-        </p:nvSpPr>
-        <p:spPr/>
-        <p:txBody>
-          <a:bodyPr/>
-          <a:lstStyle/>
-          <a:p>
-            <a:r>
-              <a:rPr kumimoji="1" lang="en-US" altLang="ja-JP"/>
-              <a:t>2021A</a:t>
-            </a:r>
-            <a:r>
-              <a:rPr kumimoji="1" lang="ja-JP" altLang="en-US"/>
-              <a:t>セメスタ説明会 </a:t>
-            </a:r>
-            <a:r>
-              <a:rPr kumimoji="1" lang="en-US" altLang="ja-JP"/>
-              <a:t>https://utelecon.adm.u-tokyo.ac.jp/</a:t>
-            </a:r>
-            <a:endParaRPr kumimoji="1" lang="ja-JP" altLang="en-US" dirty="0"/>
-          </a:p>
-        </p:txBody>
-      </p:sp>
-      <p:sp>
-        <p:nvSpPr>
-          <p:cNvPr id="6" name="スライド番号プレースホルダー 5">
-            <a:extLst>
-              <a:ext uri="{FF2B5EF4-FFF2-40B4-BE49-F238E27FC236}">
-                <a16:creationId xmlns:a16="http://schemas.microsoft.com/office/drawing/2014/main" id="{CB0E5D28-55EA-4039-840B-94FE54C3CD34}"/>
-              </a:ext>
-            </a:extLst>
-          </p:cNvPr>
-          <p:cNvSpPr>
-            <a:spLocks noGrp="1"/>
-          </p:cNvSpPr>
-          <p:nvPr>
-            <p:ph type="sldNum" sz="quarter" idx="12"/>
-          </p:nvPr>
-        </p:nvSpPr>
-        <p:spPr/>
-        <p:txBody>
-          <a:bodyPr/>
-          <a:lstStyle/>
-          <a:p>
-            <a:fld id="{EDF77D8D-9987-453A-9A05-EB91CA595C68}" type="slidenum">
-              <a:rPr kumimoji="1" lang="ja-JP" altLang="en-US" smtClean="0"/>
-              <a:pPr/>
-              <a:t>10</a:t>
-            </a:fld>
-            <a:endParaRPr kumimoji="1" lang="ja-JP" altLang="en-US"/>
-          </a:p>
-        </p:txBody>
-      </p:sp>
-    </p:spTree>
-    <p:extLst>
-      <p:ext uri="{BB962C8B-B14F-4D97-AF65-F5344CB8AC3E}">
-        <p14:creationId xmlns:p14="http://schemas.microsoft.com/office/powerpoint/2010/main" val="2899526021"/>
-      </p:ext>
-    </p:extLst>
-  </p:cSld>
-  <p:clrMapOvr>
-    <a:masterClrMapping/>
-  </p:clrMapOvr>
-</p:sld>
-</file>
-
-<file path=ppt/slides/slide11.xml><?xml version="1.0" encoding="utf-8"?>
-<p:sld xmlns:a="http://schemas.openxmlformats.org/drawingml/2006/main" xmlns:r="http://schemas.openxmlformats.org/officeDocument/2006/relationships" xmlns:p="http://schemas.openxmlformats.org/presentationml/2006/main">
-  <p:cSld>
-    <p:spTree>
-      <p:nvGrpSpPr>
-        <p:cNvPr id="1" name=""/>
-        <p:cNvGrpSpPr/>
-        <p:nvPr/>
-      </p:nvGrpSpPr>
-      <p:grpSpPr>
-        <a:xfrm>
-          <a:off x="0" y="0"/>
-          <a:ext cx="0" cy="0"/>
-          <a:chOff x="0" y="0"/>
-          <a:chExt cx="0" cy="0"/>
-        </a:xfrm>
-      </p:grpSpPr>
-      <p:sp>
-        <p:nvSpPr>
           <p:cNvPr id="2" name="タイトル 1">
             <a:extLst>
               <a:ext uri="{FF2B5EF4-FFF2-40B4-BE49-F238E27FC236}">
@@ -53128,15 +52687,25 @@
         <p:spPr/>
         <p:txBody>
           <a:bodyPr>
-            <a:normAutofit fontScale="92500" lnSpcReduction="10000"/>
+            <a:normAutofit fontScale="92500"/>
           </a:bodyPr>
           <a:lstStyle/>
           <a:p>
             <a:r>
               <a:rPr lang="ja-JP" altLang="en-US" dirty="0"/>
-              <a:t>多要素認証をすると設定した後で、設定した認証手段が全部使えなくなるなど、多要素認証を取り消す必要が生じた場合</a:t>
+              <a:t>基本は取り消さない</a:t>
             </a:r>
             <a:endParaRPr lang="en-US" altLang="ja-JP" dirty="0"/>
+          </a:p>
+          <a:p>
+            <a:r>
+              <a:rPr lang="ja-JP" altLang="en-US" dirty="0"/>
+              <a:t>やむを得ない場合</a:t>
+            </a:r>
+            <a:r>
+              <a:rPr lang="en-US" altLang="ja-JP" dirty="0"/>
+              <a:t>…</a:t>
+            </a:r>
           </a:p>
           <a:p>
             <a:r>
@@ -53288,7 +52857,7 @@
             <a:fld id="{EDF77D8D-9987-453A-9A05-EB91CA595C68}" type="slidenum">
               <a:rPr kumimoji="1" lang="ja-JP" altLang="en-US" smtClean="0"/>
               <a:pPr/>
-              <a:t>11</a:t>
+              <a:t>10</a:t>
             </a:fld>
             <a:endParaRPr kumimoji="1" lang="ja-JP" altLang="en-US"/>
           </a:p>
@@ -53307,7 +52876,7 @@
 </p:sld>
 </file>
 
-<file path=ppt/slides/slide12.xml><?xml version="1.0" encoding="utf-8"?>
+<file path=ppt/slides/slide11.xml><?xml version="1.0" encoding="utf-8"?>
 <p:sld xmlns:a="http://schemas.openxmlformats.org/drawingml/2006/main" xmlns:r="http://schemas.openxmlformats.org/officeDocument/2006/relationships" xmlns:p="http://schemas.openxmlformats.org/presentationml/2006/main">
   <p:cSld>
     <p:spTree>
@@ -53442,7 +53011,7 @@
             <a:fld id="{EDF77D8D-9987-453A-9A05-EB91CA595C68}" type="slidenum">
               <a:rPr kumimoji="1" lang="ja-JP" altLang="en-US" smtClean="0"/>
               <a:pPr/>
-              <a:t>12</a:t>
+              <a:t>11</a:t>
             </a:fld>
             <a:endParaRPr kumimoji="1" lang="ja-JP" altLang="en-US"/>
           </a:p>
@@ -54286,7 +53855,7 @@
 </p:sld>
 </file>
 
-<file path=ppt/slides/slide13.xml><?xml version="1.0" encoding="utf-8"?>
+<file path=ppt/slides/slide12.xml><?xml version="1.0" encoding="utf-8"?>
 <p:sld xmlns:a="http://schemas.openxmlformats.org/drawingml/2006/main" xmlns:r="http://schemas.openxmlformats.org/officeDocument/2006/relationships" xmlns:p="http://schemas.openxmlformats.org/presentationml/2006/main">
   <p:cSld>
     <p:spTree>
@@ -54506,7 +54075,7 @@
             <a:fld id="{EDF77D8D-9987-453A-9A05-EB91CA595C68}" type="slidenum">
               <a:rPr kumimoji="1" lang="ja-JP" altLang="en-US" smtClean="0"/>
               <a:pPr/>
-              <a:t>13</a:t>
+              <a:t>12</a:t>
             </a:fld>
             <a:endParaRPr kumimoji="1" lang="ja-JP" altLang="en-US"/>
           </a:p>
@@ -54567,7 +54136,7 @@
           <a:p>
             <a:r>
               <a:rPr lang="ja-JP" altLang="en-US" dirty="0"/>
-              <a:t>決して破られてはならないアカウントがある</a:t>
+              <a:t>絶対に漏らせないデータがそこにはある</a:t>
             </a:r>
             <a:endParaRPr kumimoji="1" lang="ja-JP" altLang="en-US" dirty="0"/>
           </a:p>
@@ -55834,7 +55403,17 @@
             </a:r>
             <a:r>
               <a:rPr kumimoji="1" lang="ja-JP" altLang="en-US" dirty="0"/>
-              <a:t>例えばこれで生成）に変更してください</a:t>
+              <a:t>例えば</a:t>
+            </a:r>
+            <a:r>
+              <a:rPr kumimoji="1" lang="ja-JP" altLang="en-US" dirty="0">
+                <a:hlinkClick r:id="rId2"/>
+              </a:rPr>
+              <a:t>これ</a:t>
+            </a:r>
+            <a:r>
+              <a:rPr kumimoji="1" lang="ja-JP" altLang="en-US" dirty="0"/>
+              <a:t>で生成）に変更してください</a:t>
             </a:r>
             <a:endParaRPr kumimoji="1" lang="en-US" altLang="ja-JP" dirty="0"/>
           </a:p>
@@ -56238,196 +55817,6 @@
           <p:cNvPr id="2" name="タイトル 1">
             <a:extLst>
               <a:ext uri="{FF2B5EF4-FFF2-40B4-BE49-F238E27FC236}">
-                <a16:creationId xmlns:a16="http://schemas.microsoft.com/office/drawing/2014/main" id="{B54D39F9-206C-48EC-9A87-0A7359D58825}"/>
-              </a:ext>
-            </a:extLst>
-          </p:cNvPr>
-          <p:cNvSpPr>
-            <a:spLocks noGrp="1"/>
-          </p:cNvSpPr>
-          <p:nvPr>
-            <p:ph type="title"/>
-          </p:nvPr>
-        </p:nvSpPr>
-        <p:spPr/>
-        <p:txBody>
-          <a:bodyPr/>
-          <a:lstStyle/>
-          <a:p>
-            <a:r>
-              <a:rPr kumimoji="1" lang="ja-JP" altLang="en-US" dirty="0"/>
-              <a:t>以降</a:t>
-            </a:r>
-          </a:p>
-        </p:txBody>
-      </p:sp>
-      <p:sp>
-        <p:nvSpPr>
-          <p:cNvPr id="3" name="コンテンツ プレースホルダー 2">
-            <a:extLst>
-              <a:ext uri="{FF2B5EF4-FFF2-40B4-BE49-F238E27FC236}">
-                <a16:creationId xmlns:a16="http://schemas.microsoft.com/office/drawing/2014/main" id="{7190F2BF-039F-4E5E-80C0-B4298DFBC086}"/>
-              </a:ext>
-            </a:extLst>
-          </p:cNvPr>
-          <p:cNvSpPr>
-            <a:spLocks noGrp="1"/>
-          </p:cNvSpPr>
-          <p:nvPr>
-            <p:ph idx="1"/>
-          </p:nvPr>
-        </p:nvSpPr>
-        <p:spPr/>
-        <p:txBody>
-          <a:bodyPr/>
-          <a:lstStyle/>
-          <a:p>
-            <a:r>
-              <a:rPr kumimoji="1" lang="ja-JP" altLang="en-US" dirty="0"/>
-              <a:t>多要素認証</a:t>
-            </a:r>
-            <a:endParaRPr kumimoji="1" lang="en-US" altLang="ja-JP" dirty="0"/>
-          </a:p>
-          <a:p>
-            <a:r>
-              <a:rPr lang="ja-JP" altLang="en-US" dirty="0"/>
-              <a:t>情報漏洩事故を起こさないための習慣、おすすめ</a:t>
-            </a:r>
-            <a:endParaRPr kumimoji="1" lang="ja-JP" altLang="en-US" dirty="0"/>
-          </a:p>
-        </p:txBody>
-      </p:sp>
-      <p:sp>
-        <p:nvSpPr>
-          <p:cNvPr id="4" name="日付プレースホルダー 3">
-            <a:extLst>
-              <a:ext uri="{FF2B5EF4-FFF2-40B4-BE49-F238E27FC236}">
-                <a16:creationId xmlns:a16="http://schemas.microsoft.com/office/drawing/2014/main" id="{345DFE75-5AB5-48E0-83B4-AF50A47C3F6B}"/>
-              </a:ext>
-            </a:extLst>
-          </p:cNvPr>
-          <p:cNvSpPr>
-            <a:spLocks noGrp="1"/>
-          </p:cNvSpPr>
-          <p:nvPr>
-            <p:ph type="dt" sz="half" idx="10"/>
-          </p:nvPr>
-        </p:nvSpPr>
-        <p:spPr/>
-        <p:txBody>
-          <a:bodyPr/>
-          <a:lstStyle/>
-          <a:p>
-            <a:r>
-              <a:rPr kumimoji="1" lang="en-US" altLang="ja-JP"/>
-              <a:t>2021/9/15</a:t>
-            </a:r>
-            <a:endParaRPr kumimoji="1" lang="ja-JP" altLang="en-US"/>
-          </a:p>
-        </p:txBody>
-      </p:sp>
-      <p:sp>
-        <p:nvSpPr>
-          <p:cNvPr id="5" name="フッター プレースホルダー 4">
-            <a:extLst>
-              <a:ext uri="{FF2B5EF4-FFF2-40B4-BE49-F238E27FC236}">
-                <a16:creationId xmlns:a16="http://schemas.microsoft.com/office/drawing/2014/main" id="{C5F3DAF8-9EB0-4BD4-AC48-2CB24E56A963}"/>
-              </a:ext>
-            </a:extLst>
-          </p:cNvPr>
-          <p:cNvSpPr>
-            <a:spLocks noGrp="1"/>
-          </p:cNvSpPr>
-          <p:nvPr>
-            <p:ph type="ftr" sz="quarter" idx="11"/>
-          </p:nvPr>
-        </p:nvSpPr>
-        <p:spPr/>
-        <p:txBody>
-          <a:bodyPr/>
-          <a:lstStyle/>
-          <a:p>
-            <a:r>
-              <a:rPr kumimoji="1" lang="en-US" altLang="ja-JP"/>
-              <a:t>2021A</a:t>
-            </a:r>
-            <a:r>
-              <a:rPr kumimoji="1" lang="ja-JP" altLang="en-US"/>
-              <a:t>セメスタ説明会 </a:t>
-            </a:r>
-            <a:r>
-              <a:rPr kumimoji="1" lang="en-US" altLang="ja-JP"/>
-              <a:t>https://utelecon.adm.u-tokyo.ac.jp/</a:t>
-            </a:r>
-            <a:endParaRPr kumimoji="1" lang="ja-JP" altLang="en-US" dirty="0"/>
-          </a:p>
-        </p:txBody>
-      </p:sp>
-      <p:sp>
-        <p:nvSpPr>
-          <p:cNvPr id="6" name="スライド番号プレースホルダー 5">
-            <a:extLst>
-              <a:ext uri="{FF2B5EF4-FFF2-40B4-BE49-F238E27FC236}">
-                <a16:creationId xmlns:a16="http://schemas.microsoft.com/office/drawing/2014/main" id="{8FD79CF3-EE69-44F6-9E80-3D9FC770A2A7}"/>
-              </a:ext>
-            </a:extLst>
-          </p:cNvPr>
-          <p:cNvSpPr>
-            <a:spLocks noGrp="1"/>
-          </p:cNvSpPr>
-          <p:nvPr>
-            <p:ph type="sldNum" sz="quarter" idx="12"/>
-          </p:nvPr>
-        </p:nvSpPr>
-        <p:spPr/>
-        <p:txBody>
-          <a:bodyPr/>
-          <a:lstStyle/>
-          <a:p>
-            <a:fld id="{EDF77D8D-9987-453A-9A05-EB91CA595C68}" type="slidenum">
-              <a:rPr kumimoji="1" lang="ja-JP" altLang="en-US" smtClean="0"/>
-              <a:pPr/>
-              <a:t>4</a:t>
-            </a:fld>
-            <a:endParaRPr kumimoji="1" lang="ja-JP" altLang="en-US"/>
-          </a:p>
-        </p:txBody>
-      </p:sp>
-    </p:spTree>
-    <p:extLst>
-      <p:ext uri="{BB962C8B-B14F-4D97-AF65-F5344CB8AC3E}">
-        <p14:creationId xmlns:p14="http://schemas.microsoft.com/office/powerpoint/2010/main" val="2120464384"/>
-      </p:ext>
-    </p:extLst>
-  </p:cSld>
-  <p:clrMapOvr>
-    <a:masterClrMapping/>
-  </p:clrMapOvr>
-</p:sld>
-</file>
-
-<file path=ppt/slides/slide5.xml><?xml version="1.0" encoding="utf-8"?>
-<p:sld xmlns:a="http://schemas.openxmlformats.org/drawingml/2006/main" xmlns:r="http://schemas.openxmlformats.org/officeDocument/2006/relationships" xmlns:p="http://schemas.openxmlformats.org/presentationml/2006/main">
-  <p:cSld>
-    <p:spTree>
-      <p:nvGrpSpPr>
-        <p:cNvPr id="1" name=""/>
-        <p:cNvGrpSpPr/>
-        <p:nvPr/>
-      </p:nvGrpSpPr>
-      <p:grpSpPr>
-        <a:xfrm>
-          <a:off x="0" y="0"/>
-          <a:ext cx="0" cy="0"/>
-          <a:chOff x="0" y="0"/>
-          <a:chExt cx="0" cy="0"/>
-        </a:xfrm>
-      </p:grpSpPr>
-      <p:sp>
-        <p:nvSpPr>
-          <p:cNvPr id="2" name="タイトル 1">
-            <a:extLst>
-              <a:ext uri="{FF2B5EF4-FFF2-40B4-BE49-F238E27FC236}">
                 <a16:creationId xmlns:a16="http://schemas.microsoft.com/office/drawing/2014/main" id="{DCA3D6B7-7D8D-4530-96FD-42CBAB5C2079}"/>
               </a:ext>
             </a:extLst>
@@ -56617,7 +56006,7 @@
             <a:fld id="{EDF77D8D-9987-453A-9A05-EB91CA595C68}" type="slidenum">
               <a:rPr kumimoji="1" lang="ja-JP" altLang="en-US" smtClean="0"/>
               <a:pPr/>
-              <a:t>5</a:t>
+              <a:t>4</a:t>
             </a:fld>
             <a:endParaRPr kumimoji="1" lang="ja-JP" altLang="en-US"/>
           </a:p>
@@ -56636,7 +56025,7 @@
 </p:sld>
 </file>
 
-<file path=ppt/slides/slide6.xml><?xml version="1.0" encoding="utf-8"?>
+<file path=ppt/slides/slide5.xml><?xml version="1.0" encoding="utf-8"?>
 <p:sld xmlns:a="http://schemas.openxmlformats.org/drawingml/2006/main" xmlns:r="http://schemas.openxmlformats.org/officeDocument/2006/relationships" xmlns:p="http://schemas.openxmlformats.org/presentationml/2006/main">
   <p:cSld>
     <p:spTree>
@@ -56875,7 +56264,7 @@
             <a:fld id="{EDF77D8D-9987-453A-9A05-EB91CA595C68}" type="slidenum">
               <a:rPr kumimoji="1" lang="ja-JP" altLang="en-US" smtClean="0"/>
               <a:pPr/>
-              <a:t>6</a:t>
+              <a:t>5</a:t>
             </a:fld>
             <a:endParaRPr kumimoji="1" lang="ja-JP" altLang="en-US"/>
           </a:p>
@@ -56894,7 +56283,7 @@
 </p:sld>
 </file>
 
-<file path=ppt/slides/slide7.xml><?xml version="1.0" encoding="utf-8"?>
+<file path=ppt/slides/slide6.xml><?xml version="1.0" encoding="utf-8"?>
 <p:sld xmlns:a="http://schemas.openxmlformats.org/drawingml/2006/main" xmlns:r="http://schemas.openxmlformats.org/officeDocument/2006/relationships" xmlns:p="http://schemas.openxmlformats.org/presentationml/2006/main">
   <p:cSld>
     <p:spTree>
@@ -57034,7 +56423,7 @@
             <a:fld id="{EDF77D8D-9987-453A-9A05-EB91CA595C68}" type="slidenum">
               <a:rPr kumimoji="1" lang="ja-JP" altLang="en-US" smtClean="0"/>
               <a:pPr/>
-              <a:t>7</a:t>
+              <a:t>6</a:t>
             </a:fld>
             <a:endParaRPr kumimoji="1" lang="ja-JP" altLang="en-US"/>
           </a:p>
@@ -57174,7 +56563,7 @@
 </p:sld>
 </file>
 
-<file path=ppt/slides/slide8.xml><?xml version="1.0" encoding="utf-8"?>
+<file path=ppt/slides/slide7.xml><?xml version="1.0" encoding="utf-8"?>
 <p:sld xmlns:a="http://schemas.openxmlformats.org/drawingml/2006/main" xmlns:r="http://schemas.openxmlformats.org/officeDocument/2006/relationships" xmlns:p="http://schemas.openxmlformats.org/presentationml/2006/main">
   <p:cSld>
     <p:spTree>
@@ -57457,7 +56846,7 @@
             <a:fld id="{EDF77D8D-9987-453A-9A05-EB91CA595C68}" type="slidenum">
               <a:rPr kumimoji="1" lang="ja-JP" altLang="en-US" smtClean="0"/>
               <a:pPr/>
-              <a:t>8</a:t>
+              <a:t>7</a:t>
             </a:fld>
             <a:endParaRPr kumimoji="1" lang="ja-JP" altLang="en-US"/>
           </a:p>
@@ -57476,7 +56865,7 @@
 </p:sld>
 </file>
 
-<file path=ppt/slides/slide9.xml><?xml version="1.0" encoding="utf-8"?>
+<file path=ppt/slides/slide8.xml><?xml version="1.0" encoding="utf-8"?>
 <p:sld xmlns:a="http://schemas.openxmlformats.org/drawingml/2006/main" xmlns:r="http://schemas.openxmlformats.org/officeDocument/2006/relationships" xmlns:p="http://schemas.openxmlformats.org/presentationml/2006/main">
   <p:cSld>
     <p:spTree>
@@ -57546,14 +56935,40 @@
         </p:nvSpPr>
         <p:spPr/>
         <p:txBody>
-          <a:bodyPr/>
+          <a:bodyPr>
+            <a:normAutofit/>
+          </a:bodyPr>
           <a:lstStyle/>
           <a:p>
             <a:r>
-              <a:rPr lang="ja-JP" altLang="en-US" dirty="0"/>
-              <a:t>現時点：強く推奨</a:t>
+              <a:rPr lang="ja-JP" altLang="en-US" dirty="0">
+                <a:solidFill>
+                  <a:srgbClr val="00B050"/>
+                </a:solidFill>
+              </a:rPr>
+              <a:t>サービス開始</a:t>
             </a:r>
-            <a:endParaRPr lang="en-US" altLang="ja-JP" dirty="0"/>
+            <a:r>
+              <a:rPr lang="en-US" altLang="ja-JP" dirty="0">
+                <a:solidFill>
+                  <a:srgbClr val="00B050"/>
+                </a:solidFill>
+              </a:rPr>
+              <a:t>9/27</a:t>
+            </a:r>
+            <a:r>
+              <a:rPr lang="ja-JP" altLang="en-US" dirty="0">
+                <a:solidFill>
+                  <a:srgbClr val="00B050"/>
+                </a:solidFill>
+              </a:rPr>
+              <a:t>：強く推奨</a:t>
+            </a:r>
+            <a:endParaRPr lang="en-US" altLang="ja-JP" dirty="0">
+              <a:solidFill>
+                <a:srgbClr val="00B050"/>
+              </a:solidFill>
+            </a:endParaRPr>
           </a:p>
           <a:p>
             <a:r>
@@ -57564,12 +56979,12 @@
           </a:p>
           <a:p>
             <a:r>
-              <a:rPr kumimoji="1" lang="ja-JP" altLang="en-US" dirty="0"/>
-              <a:t>しかし当面はこれまで通りの利用を可能にします</a:t>
+              <a:rPr lang="ja-JP" altLang="en-US" dirty="0"/>
+              <a:t>十分な移行期間を設け、</a:t>
             </a:r>
             <a:r>
-              <a:rPr lang="ja-JP" altLang="en-US" dirty="0"/>
-              <a:t>（十分な移行期間）</a:t>
+              <a:rPr kumimoji="1" lang="ja-JP" altLang="en-US" dirty="0"/>
+              <a:t>当面はこれまで通りの利用を可能にします</a:t>
             </a:r>
             <a:endParaRPr kumimoji="1" lang="en-US" altLang="ja-JP" dirty="0"/>
           </a:p>
@@ -57580,7 +56995,7 @@
             </a:r>
             <a:r>
               <a:rPr lang="ja-JP" altLang="en-US" dirty="0"/>
-              <a:t>で今後新しく利用可能になるサービスについては必須とします</a:t>
+              <a:t>で今後新しく利用可能になる、安全性が重要なサービスについては必須とします</a:t>
             </a:r>
             <a:endParaRPr lang="en-US" altLang="ja-JP" dirty="0"/>
           </a:p>
@@ -57695,6 +57110,446 @@
             <a:fld id="{EDF77D8D-9987-453A-9A05-EB91CA595C68}" type="slidenum">
               <a:rPr kumimoji="1" lang="ja-JP" altLang="en-US" smtClean="0"/>
               <a:pPr/>
+              <a:t>8</a:t>
+            </a:fld>
+            <a:endParaRPr kumimoji="1" lang="ja-JP" altLang="en-US"/>
+          </a:p>
+        </p:txBody>
+      </p:sp>
+    </p:spTree>
+    <p:extLst>
+      <p:ext uri="{BB962C8B-B14F-4D97-AF65-F5344CB8AC3E}">
+        <p14:creationId xmlns:p14="http://schemas.microsoft.com/office/powerpoint/2010/main" val="4068194431"/>
+      </p:ext>
+    </p:extLst>
+  </p:cSld>
+  <p:clrMapOvr>
+    <a:masterClrMapping/>
+  </p:clrMapOvr>
+</p:sld>
+</file>
+
+<file path=ppt/slides/slide9.xml><?xml version="1.0" encoding="utf-8"?>
+<p:sld xmlns:a="http://schemas.openxmlformats.org/drawingml/2006/main" xmlns:r="http://schemas.openxmlformats.org/officeDocument/2006/relationships" xmlns:p="http://schemas.openxmlformats.org/presentationml/2006/main">
+  <p:cSld>
+    <p:spTree>
+      <p:nvGrpSpPr>
+        <p:cNvPr id="1" name=""/>
+        <p:cNvGrpSpPr/>
+        <p:nvPr/>
+      </p:nvGrpSpPr>
+      <p:grpSpPr>
+        <a:xfrm>
+          <a:off x="0" y="0"/>
+          <a:ext cx="0" cy="0"/>
+          <a:chOff x="0" y="0"/>
+          <a:chExt cx="0" cy="0"/>
+        </a:xfrm>
+      </p:grpSpPr>
+      <p:sp>
+        <p:nvSpPr>
+          <p:cNvPr id="8" name="テキスト プレースホルダー 7">
+            <a:extLst>
+              <a:ext uri="{FF2B5EF4-FFF2-40B4-BE49-F238E27FC236}">
+                <a16:creationId xmlns:a16="http://schemas.microsoft.com/office/drawing/2014/main" id="{3C041269-B6E1-49DE-80B8-78135E25D335}"/>
+              </a:ext>
+            </a:extLst>
+          </p:cNvPr>
+          <p:cNvSpPr>
+            <a:spLocks noGrp="1"/>
+          </p:cNvSpPr>
+          <p:nvPr>
+            <p:ph type="body" idx="4294967295"/>
+          </p:nvPr>
+        </p:nvSpPr>
+        <p:spPr/>
+        <p:txBody>
+          <a:bodyPr/>
+          <a:lstStyle/>
+          <a:p>
+            <a:r>
+              <a:rPr kumimoji="1" lang="ja-JP" altLang="en-US" dirty="0"/>
+              <a:t>後日 </a:t>
+            </a:r>
+            <a:r>
+              <a:rPr kumimoji="1" lang="en-US" altLang="ja-JP" dirty="0" err="1"/>
+              <a:t>utelecon</a:t>
+            </a:r>
+            <a:r>
+              <a:rPr kumimoji="1" lang="en-US" altLang="ja-JP" dirty="0"/>
+              <a:t> </a:t>
+            </a:r>
+            <a:r>
+              <a:rPr kumimoji="1" lang="ja-JP" altLang="en-US" dirty="0"/>
+              <a:t>にまとめます</a:t>
+            </a:r>
+          </a:p>
+        </p:txBody>
+      </p:sp>
+      <p:sp>
+        <p:nvSpPr>
+          <p:cNvPr id="2" name="タイトル 1">
+            <a:extLst>
+              <a:ext uri="{FF2B5EF4-FFF2-40B4-BE49-F238E27FC236}">
+                <a16:creationId xmlns:a16="http://schemas.microsoft.com/office/drawing/2014/main" id="{FA5B1B77-7F6E-4E41-B168-EC56B8290811}"/>
+              </a:ext>
+            </a:extLst>
+          </p:cNvPr>
+          <p:cNvSpPr>
+            <a:spLocks noGrp="1"/>
+          </p:cNvSpPr>
+          <p:nvPr>
+            <p:ph type="title"/>
+          </p:nvPr>
+        </p:nvSpPr>
+        <p:spPr/>
+        <p:txBody>
+          <a:bodyPr/>
+          <a:lstStyle/>
+          <a:p>
+            <a:r>
+              <a:rPr lang="ja-JP" altLang="en-US" dirty="0"/>
+              <a:t>設定方法</a:t>
+            </a:r>
+            <a:endParaRPr kumimoji="1" lang="ja-JP" altLang="en-US" dirty="0"/>
+          </a:p>
+        </p:txBody>
+      </p:sp>
+      <p:graphicFrame>
+        <p:nvGraphicFramePr>
+          <p:cNvPr id="7" name="表 7">
+            <a:extLst>
+              <a:ext uri="{FF2B5EF4-FFF2-40B4-BE49-F238E27FC236}">
+                <a16:creationId xmlns:a16="http://schemas.microsoft.com/office/drawing/2014/main" id="{4E0BE75E-6287-4FE7-BCF8-2B4BFB7D5115}"/>
+              </a:ext>
+            </a:extLst>
+          </p:cNvPr>
+          <p:cNvGraphicFramePr>
+            <a:graphicFrameLocks noGrp="1"/>
+          </p:cNvGraphicFramePr>
+          <p:nvPr>
+            <p:ph idx="1"/>
+            <p:extLst>
+              <p:ext uri="{D42A27DB-BD31-4B8C-83A1-F6EECF244321}">
+                <p14:modId xmlns:p14="http://schemas.microsoft.com/office/powerpoint/2010/main" val="2693585583"/>
+              </p:ext>
+            </p:extLst>
+          </p:nvPr>
+        </p:nvGraphicFramePr>
+        <p:xfrm>
+          <a:off x="143508" y="2060848"/>
+          <a:ext cx="8856984" cy="3022600"/>
+        </p:xfrm>
+        <a:graphic>
+          <a:graphicData uri="http://schemas.openxmlformats.org/drawingml/2006/table">
+            <a:tbl>
+              <a:tblPr firstRow="1" bandRow="1">
+                <a:tableStyleId>{5C22544A-7EE6-4342-B048-85BDC9FD1C3A}</a:tableStyleId>
+              </a:tblPr>
+              <a:tblGrid>
+                <a:gridCol w="1189601">
+                  <a:extLst>
+                    <a:ext uri="{9D8B030D-6E8A-4147-A177-3AD203B41FA5}">
+                      <a16:colId xmlns:a16="http://schemas.microsoft.com/office/drawing/2014/main" val="4072199928"/>
+                    </a:ext>
+                  </a:extLst>
+                </a:gridCol>
+                <a:gridCol w="3952374">
+                  <a:extLst>
+                    <a:ext uri="{9D8B030D-6E8A-4147-A177-3AD203B41FA5}">
+                      <a16:colId xmlns:a16="http://schemas.microsoft.com/office/drawing/2014/main" val="3763760006"/>
+                    </a:ext>
+                  </a:extLst>
+                </a:gridCol>
+                <a:gridCol w="3715009">
+                  <a:extLst>
+                    <a:ext uri="{9D8B030D-6E8A-4147-A177-3AD203B41FA5}">
+                      <a16:colId xmlns:a16="http://schemas.microsoft.com/office/drawing/2014/main" val="3661481327"/>
+                    </a:ext>
+                  </a:extLst>
+                </a:gridCol>
+              </a:tblGrid>
+              <a:tr h="370840">
+                <a:tc>
+                  <a:txBody>
+                    <a:bodyPr/>
+                    <a:lstStyle/>
+                    <a:p>
+                      <a:r>
+                        <a:rPr kumimoji="1" lang="en-US" altLang="ja-JP" dirty="0"/>
+                        <a:t>Account</a:t>
+                      </a:r>
+                      <a:endParaRPr kumimoji="1" lang="ja-JP" altLang="en-US" dirty="0"/>
+                    </a:p>
+                  </a:txBody>
+                  <a:tcPr/>
+                </a:tc>
+                <a:tc>
+                  <a:txBody>
+                    <a:bodyPr/>
+                    <a:lstStyle/>
+                    <a:p>
+                      <a:r>
+                        <a:rPr kumimoji="1" lang="ja-JP" altLang="en-US" dirty="0"/>
+                        <a:t>多要素認証設定</a:t>
+                      </a:r>
+                    </a:p>
+                  </a:txBody>
+                  <a:tcPr/>
+                </a:tc>
+                <a:tc>
+                  <a:txBody>
+                    <a:bodyPr/>
+                    <a:lstStyle/>
+                    <a:p>
+                      <a:r>
+                        <a:rPr kumimoji="1" lang="ja-JP" altLang="en-US" dirty="0"/>
+                        <a:t>パスワード変更</a:t>
+                      </a:r>
+                    </a:p>
+                  </a:txBody>
+                  <a:tcPr/>
+                </a:tc>
+                <a:extLst>
+                  <a:ext uri="{0D108BD9-81ED-4DB2-BD59-A6C34878D82A}">
+                    <a16:rowId xmlns:a16="http://schemas.microsoft.com/office/drawing/2014/main" val="1397794290"/>
+                  </a:ext>
+                </a:extLst>
+              </a:tr>
+              <a:tr h="370840">
+                <a:tc>
+                  <a:txBody>
+                    <a:bodyPr/>
+                    <a:lstStyle/>
+                    <a:p>
+                      <a:r>
+                        <a:rPr kumimoji="1" lang="en-US" altLang="ja-JP" dirty="0"/>
+                        <a:t>UTokyo</a:t>
+                      </a:r>
+                      <a:endParaRPr kumimoji="1" lang="ja-JP" altLang="en-US" dirty="0"/>
+                    </a:p>
+                  </a:txBody>
+                  <a:tcPr/>
+                </a:tc>
+                <a:tc>
+                  <a:txBody>
+                    <a:bodyPr/>
+                    <a:lstStyle/>
+                    <a:p>
+                      <a:r>
+                        <a:rPr kumimoji="1" lang="ja-JP" altLang="en-US" dirty="0"/>
+                        <a:t>（</a:t>
+                      </a:r>
+                      <a:r>
+                        <a:rPr kumimoji="1" lang="en-US" altLang="ja-JP" dirty="0"/>
+                        <a:t>9/27</a:t>
+                      </a:r>
+                      <a:r>
+                        <a:rPr kumimoji="1" lang="ja-JP" altLang="en-US" dirty="0"/>
+                        <a:t>以降）有効化 </a:t>
+                      </a:r>
+                      <a:r>
+                        <a:rPr kumimoji="1" lang="en-US" altLang="ja-JP" dirty="0">
+                          <a:hlinkClick r:id="rId2"/>
+                        </a:rPr>
+                        <a:t>https://utacm.adm.u-tokyo.ac.jp/webmtn/LoginServlet</a:t>
+                      </a:r>
+                      <a:r>
+                        <a:rPr kumimoji="1" lang="ja-JP" altLang="en-US" dirty="0"/>
+                        <a:t> </a:t>
+                      </a:r>
+                      <a:r>
+                        <a:rPr kumimoji="1" lang="ja-JP" altLang="en-US" dirty="0">
+                          <a:sym typeface="Symbol" panose="05050102010706020507" pitchFamily="18" charset="2"/>
+                        </a:rPr>
+                        <a:t> 設定 </a:t>
+                      </a:r>
+                      <a:r>
+                        <a:rPr kumimoji="1" lang="en-US" altLang="ja-JP" dirty="0">
+                          <a:sym typeface="Symbol" panose="05050102010706020507" pitchFamily="18" charset="2"/>
+                          <a:hlinkClick r:id="rId3"/>
+                        </a:rPr>
+                        <a:t>https://mysignins.microsoft.com/security-info?domain_hint=utac.u-tokyo.ac.jp</a:t>
+                      </a:r>
+                      <a:endParaRPr kumimoji="1" lang="en-US" altLang="ja-JP" dirty="0">
+                        <a:sym typeface="Symbol" panose="05050102010706020507" pitchFamily="18" charset="2"/>
+                      </a:endParaRPr>
+                    </a:p>
+                  </a:txBody>
+                  <a:tcPr/>
+                </a:tc>
+                <a:tc>
+                  <a:txBody>
+                    <a:bodyPr/>
+                    <a:lstStyle/>
+                    <a:p>
+                      <a:r>
+                        <a:rPr kumimoji="1" lang="en-US" altLang="ja-JP" dirty="0">
+                          <a:hlinkClick r:id="rId2"/>
+                        </a:rPr>
+                        <a:t>https://utacm.adm.u-tokyo.ac.jp/webmtn/LoginServlet</a:t>
+                      </a:r>
+                      <a:r>
+                        <a:rPr kumimoji="1" lang="ja-JP" altLang="en-US" dirty="0"/>
+                        <a:t> </a:t>
+                      </a:r>
+                    </a:p>
+                  </a:txBody>
+                  <a:tcPr/>
+                </a:tc>
+                <a:extLst>
+                  <a:ext uri="{0D108BD9-81ED-4DB2-BD59-A6C34878D82A}">
+                    <a16:rowId xmlns:a16="http://schemas.microsoft.com/office/drawing/2014/main" val="1831722643"/>
+                  </a:ext>
+                </a:extLst>
+              </a:tr>
+              <a:tr h="370840">
+                <a:tc>
+                  <a:txBody>
+                    <a:bodyPr/>
+                    <a:lstStyle/>
+                    <a:p>
+                      <a:r>
+                        <a:rPr kumimoji="1" lang="en-US" altLang="ja-JP" dirty="0"/>
+                        <a:t>Google</a:t>
+                      </a:r>
+                      <a:endParaRPr kumimoji="1" lang="ja-JP" altLang="en-US" dirty="0"/>
+                    </a:p>
+                  </a:txBody>
+                  <a:tcPr/>
+                </a:tc>
+                <a:tc>
+                  <a:txBody>
+                    <a:bodyPr/>
+                    <a:lstStyle/>
+                    <a:p>
+                      <a:r>
+                        <a:rPr kumimoji="1" lang="en-US" altLang="ja-JP" dirty="0">
+                          <a:hlinkClick r:id="rId4"/>
+                        </a:rPr>
+                        <a:t>https://myaccount.google.com/security</a:t>
+                      </a:r>
+                      <a:endParaRPr kumimoji="1" lang="en-US" altLang="ja-JP" dirty="0"/>
+                    </a:p>
+                  </a:txBody>
+                  <a:tcPr/>
+                </a:tc>
+                <a:tc>
+                  <a:txBody>
+                    <a:bodyPr/>
+                    <a:lstStyle/>
+                    <a:p>
+                      <a:r>
+                        <a:rPr kumimoji="1" lang="en-US" altLang="ja-JP" dirty="0">
+                          <a:hlinkClick r:id="rId5"/>
+                        </a:rPr>
+                        <a:t>https://idm.ecc.u-tokyo.ac.jp/webmtn/sso-saml</a:t>
+                      </a:r>
+                      <a:endParaRPr kumimoji="1" lang="en-US" altLang="ja-JP" dirty="0"/>
+                    </a:p>
+                  </a:txBody>
+                  <a:tcPr/>
+                </a:tc>
+                <a:extLst>
+                  <a:ext uri="{0D108BD9-81ED-4DB2-BD59-A6C34878D82A}">
+                    <a16:rowId xmlns:a16="http://schemas.microsoft.com/office/drawing/2014/main" val="3283867869"/>
+                  </a:ext>
+                </a:extLst>
+              </a:tr>
+            </a:tbl>
+          </a:graphicData>
+        </a:graphic>
+      </p:graphicFrame>
+      <p:sp>
+        <p:nvSpPr>
+          <p:cNvPr id="4" name="日付プレースホルダー 3">
+            <a:extLst>
+              <a:ext uri="{FF2B5EF4-FFF2-40B4-BE49-F238E27FC236}">
+                <a16:creationId xmlns:a16="http://schemas.microsoft.com/office/drawing/2014/main" id="{6A878805-C363-4BF3-BF39-5E24A351E8E9}"/>
+              </a:ext>
+            </a:extLst>
+          </p:cNvPr>
+          <p:cNvSpPr>
+            <a:spLocks noGrp="1"/>
+          </p:cNvSpPr>
+          <p:nvPr>
+            <p:ph type="dt" sz="half" idx="10"/>
+          </p:nvPr>
+        </p:nvSpPr>
+        <p:spPr/>
+        <p:txBody>
+          <a:bodyPr/>
+          <a:lstStyle/>
+          <a:p>
+            <a:r>
+              <a:rPr kumimoji="1" lang="en-US" altLang="ja-JP"/>
+              <a:t>2021/9/15</a:t>
+            </a:r>
+            <a:endParaRPr kumimoji="1" lang="ja-JP" altLang="en-US"/>
+          </a:p>
+        </p:txBody>
+      </p:sp>
+      <p:sp>
+        <p:nvSpPr>
+          <p:cNvPr id="5" name="フッター プレースホルダー 4">
+            <a:extLst>
+              <a:ext uri="{FF2B5EF4-FFF2-40B4-BE49-F238E27FC236}">
+                <a16:creationId xmlns:a16="http://schemas.microsoft.com/office/drawing/2014/main" id="{D4A6D400-8BAD-4379-9F5D-B83DEF6F91CC}"/>
+              </a:ext>
+            </a:extLst>
+          </p:cNvPr>
+          <p:cNvSpPr>
+            <a:spLocks noGrp="1"/>
+          </p:cNvSpPr>
+          <p:nvPr>
+            <p:ph type="ftr" sz="quarter" idx="11"/>
+          </p:nvPr>
+        </p:nvSpPr>
+        <p:spPr/>
+        <p:txBody>
+          <a:bodyPr/>
+          <a:lstStyle/>
+          <a:p>
+            <a:r>
+              <a:rPr kumimoji="1" lang="en-US" altLang="ja-JP"/>
+              <a:t>2021A</a:t>
+            </a:r>
+            <a:r>
+              <a:rPr kumimoji="1" lang="ja-JP" altLang="en-US"/>
+              <a:t>セメスタ説明会 </a:t>
+            </a:r>
+            <a:r>
+              <a:rPr kumimoji="1" lang="en-US" altLang="ja-JP"/>
+              <a:t>https://utelecon.adm.u-tokyo.ac.jp/</a:t>
+            </a:r>
+            <a:endParaRPr kumimoji="1" lang="ja-JP" altLang="en-US" dirty="0"/>
+          </a:p>
+        </p:txBody>
+      </p:sp>
+      <p:sp>
+        <p:nvSpPr>
+          <p:cNvPr id="6" name="スライド番号プレースホルダー 5">
+            <a:extLst>
+              <a:ext uri="{FF2B5EF4-FFF2-40B4-BE49-F238E27FC236}">
+                <a16:creationId xmlns:a16="http://schemas.microsoft.com/office/drawing/2014/main" id="{CB0E5D28-55EA-4039-840B-94FE54C3CD34}"/>
+              </a:ext>
+            </a:extLst>
+          </p:cNvPr>
+          <p:cNvSpPr>
+            <a:spLocks noGrp="1"/>
+          </p:cNvSpPr>
+          <p:nvPr>
+            <p:ph type="sldNum" sz="quarter" idx="12"/>
+          </p:nvPr>
+        </p:nvSpPr>
+        <p:spPr/>
+        <p:txBody>
+          <a:bodyPr/>
+          <a:lstStyle/>
+          <a:p>
+            <a:fld id="{EDF77D8D-9987-453A-9A05-EB91CA595C68}" type="slidenum">
+              <a:rPr kumimoji="1" lang="ja-JP" altLang="en-US" smtClean="0"/>
+              <a:pPr/>
               <a:t>9</a:t>
             </a:fld>
             <a:endParaRPr kumimoji="1" lang="ja-JP" altLang="en-US"/>
@@ -57704,7 +57559,7 @@
     </p:spTree>
     <p:extLst>
       <p:ext uri="{BB962C8B-B14F-4D97-AF65-F5344CB8AC3E}">
-        <p14:creationId xmlns:p14="http://schemas.microsoft.com/office/powerpoint/2010/main" val="4068194431"/>
+        <p14:creationId xmlns:p14="http://schemas.microsoft.com/office/powerpoint/2010/main" val="2899526021"/>
       </p:ext>
     </p:extLst>
   </p:cSld>

--- a/events/2021-09-15/slides/02-security.pptx
+++ b/events/2021-09-15/slides/02-security.pptx
@@ -21775,7 +21775,7 @@
           <a:lstStyle/>
           <a:p>
             <a:r>
-              <a:rPr kumimoji="1" lang="en-US" altLang="ja-JP"/>
+              <a:rPr kumimoji="1" lang="en-US" altLang="ja-JP" dirty="0"/>
               <a:t>2021/9/15</a:t>
             </a:r>
             <a:endParaRPr kumimoji="1" lang="ja-JP" altLang="en-US"/>
@@ -21802,7 +21802,7 @@
           </a:lstStyle>
           <a:p>
             <a:r>
-              <a:rPr kumimoji="1" lang="en-US" altLang="ja-JP"/>
+              <a:rPr kumimoji="1" lang="en-US" altLang="ja-JP" dirty="0"/>
               <a:t>2021A</a:t>
             </a:r>
             <a:r>
@@ -21810,7 +21810,7 @@
               <a:t>セメスタ説明会 </a:t>
             </a:r>
             <a:r>
-              <a:rPr kumimoji="1" lang="en-US" altLang="ja-JP"/>
+              <a:rPr kumimoji="1" lang="en-US" altLang="ja-JP" dirty="0"/>
               <a:t>https://utelecon.adm.u-tokyo.ac.jp/</a:t>
             </a:r>
             <a:endParaRPr kumimoji="1" lang="ja-JP" altLang="en-US" dirty="0"/>
@@ -21989,7 +21989,7 @@
           <a:lstStyle/>
           <a:p>
             <a:r>
-              <a:rPr kumimoji="1" lang="en-US" altLang="ja-JP"/>
+              <a:rPr kumimoji="1" lang="en-US" altLang="ja-JP" dirty="0"/>
               <a:t>2021/9/15</a:t>
             </a:r>
             <a:endParaRPr kumimoji="1" lang="ja-JP" altLang="en-US"/>
@@ -22012,7 +22012,7 @@
           <a:lstStyle/>
           <a:p>
             <a:r>
-              <a:rPr kumimoji="1" lang="en-US" altLang="ja-JP"/>
+              <a:rPr kumimoji="1" lang="en-US" altLang="ja-JP" dirty="0"/>
               <a:t>2021A</a:t>
             </a:r>
             <a:r>
@@ -22020,7 +22020,7 @@
               <a:t>セメスタ説明会 </a:t>
             </a:r>
             <a:r>
-              <a:rPr kumimoji="1" lang="en-US" altLang="ja-JP"/>
+              <a:rPr kumimoji="1" lang="en-US" altLang="ja-JP" dirty="0"/>
               <a:t>https://utelecon.adm.u-tokyo.ac.jp/</a:t>
             </a:r>
             <a:endParaRPr kumimoji="1" lang="ja-JP" altLang="en-US"/>
@@ -22209,7 +22209,7 @@
           <a:lstStyle/>
           <a:p>
             <a:r>
-              <a:rPr kumimoji="1" lang="en-US" altLang="ja-JP"/>
+              <a:rPr kumimoji="1" lang="en-US" altLang="ja-JP" dirty="0"/>
               <a:t>2021/9/15</a:t>
             </a:r>
             <a:endParaRPr kumimoji="1" lang="ja-JP" altLang="en-US"/>
@@ -22232,7 +22232,7 @@
           <a:lstStyle/>
           <a:p>
             <a:r>
-              <a:rPr kumimoji="1" lang="en-US" altLang="ja-JP"/>
+              <a:rPr kumimoji="1" lang="en-US" altLang="ja-JP" dirty="0"/>
               <a:t>2021A</a:t>
             </a:r>
             <a:r>
@@ -22240,7 +22240,7 @@
               <a:t>セメスタ説明会 </a:t>
             </a:r>
             <a:r>
-              <a:rPr kumimoji="1" lang="en-US" altLang="ja-JP"/>
+              <a:rPr kumimoji="1" lang="en-US" altLang="ja-JP" dirty="0"/>
               <a:t>https://utelecon.adm.u-tokyo.ac.jp/</a:t>
             </a:r>
             <a:endParaRPr kumimoji="1" lang="ja-JP" altLang="en-US"/>
@@ -22419,7 +22419,7 @@
           <a:lstStyle/>
           <a:p>
             <a:r>
-              <a:rPr kumimoji="1" lang="en-US" altLang="ja-JP"/>
+              <a:rPr kumimoji="1" lang="en-US" altLang="ja-JP" dirty="0"/>
               <a:t>2021/9/15</a:t>
             </a:r>
             <a:endParaRPr kumimoji="1" lang="ja-JP" altLang="en-US"/>
@@ -22442,7 +22442,7 @@
           <a:lstStyle/>
           <a:p>
             <a:r>
-              <a:rPr kumimoji="1" lang="en-US" altLang="ja-JP"/>
+              <a:rPr kumimoji="1" lang="en-US" altLang="ja-JP" dirty="0"/>
               <a:t>2021A</a:t>
             </a:r>
             <a:r>
@@ -22450,7 +22450,7 @@
               <a:t>セメスタ説明会 </a:t>
             </a:r>
             <a:r>
-              <a:rPr kumimoji="1" lang="en-US" altLang="ja-JP"/>
+              <a:rPr kumimoji="1" lang="en-US" altLang="ja-JP" dirty="0"/>
               <a:t>https://utelecon.adm.u-tokyo.ac.jp/</a:t>
             </a:r>
             <a:endParaRPr kumimoji="1" lang="ja-JP" altLang="en-US" dirty="0"/>
@@ -43103,7 +43103,7 @@
           <a:lstStyle/>
           <a:p>
             <a:r>
-              <a:rPr kumimoji="1" lang="en-US" altLang="ja-JP"/>
+              <a:rPr kumimoji="1" lang="en-US" altLang="ja-JP" dirty="0"/>
               <a:t>2021/9/15</a:t>
             </a:r>
             <a:endParaRPr kumimoji="1" lang="ja-JP" altLang="en-US"/>
@@ -43126,7 +43126,7 @@
           <a:lstStyle/>
           <a:p>
             <a:r>
-              <a:rPr kumimoji="1" lang="en-US" altLang="ja-JP"/>
+              <a:rPr kumimoji="1" lang="en-US" altLang="ja-JP" dirty="0"/>
               <a:t>2021A</a:t>
             </a:r>
             <a:r>
@@ -43134,7 +43134,7 @@
               <a:t>セメスタ説明会 </a:t>
             </a:r>
             <a:r>
-              <a:rPr kumimoji="1" lang="en-US" altLang="ja-JP"/>
+              <a:rPr kumimoji="1" lang="en-US" altLang="ja-JP" dirty="0"/>
               <a:t>https://utelecon.adm.u-tokyo.ac.jp/</a:t>
             </a:r>
             <a:endParaRPr kumimoji="1" lang="ja-JP" altLang="en-US"/>
@@ -44045,7 +44045,7 @@
           <a:lstStyle/>
           <a:p>
             <a:r>
-              <a:rPr kumimoji="1" lang="en-US" altLang="ja-JP"/>
+              <a:rPr kumimoji="1" lang="en-US" altLang="ja-JP" dirty="0"/>
               <a:t>2021/9/15</a:t>
             </a:r>
             <a:endParaRPr kumimoji="1" lang="ja-JP" altLang="en-US"/>
@@ -44068,7 +44068,7 @@
           <a:lstStyle/>
           <a:p>
             <a:r>
-              <a:rPr kumimoji="1" lang="en-US" altLang="ja-JP"/>
+              <a:rPr kumimoji="1" lang="en-US" altLang="ja-JP" dirty="0"/>
               <a:t>2021A</a:t>
             </a:r>
             <a:r>
@@ -44076,7 +44076,7 @@
               <a:t>セメスタ説明会 </a:t>
             </a:r>
             <a:r>
-              <a:rPr kumimoji="1" lang="en-US" altLang="ja-JP"/>
+              <a:rPr kumimoji="1" lang="en-US" altLang="ja-JP" dirty="0"/>
               <a:t>https://utelecon.adm.u-tokyo.ac.jp/</a:t>
             </a:r>
             <a:endParaRPr kumimoji="1" lang="ja-JP" altLang="en-US" dirty="0"/>
@@ -44539,7 +44539,7 @@
           <a:lstStyle/>
           <a:p>
             <a:r>
-              <a:rPr kumimoji="1" lang="en-US" altLang="ja-JP"/>
+              <a:rPr kumimoji="1" lang="en-US" altLang="ja-JP" dirty="0"/>
               <a:t>2021/9/15</a:t>
             </a:r>
             <a:endParaRPr kumimoji="1" lang="ja-JP" altLang="en-US"/>
@@ -44562,7 +44562,7 @@
           <a:lstStyle/>
           <a:p>
             <a:r>
-              <a:rPr kumimoji="1" lang="en-US" altLang="ja-JP"/>
+              <a:rPr kumimoji="1" lang="en-US" altLang="ja-JP" dirty="0"/>
               <a:t>2021A</a:t>
             </a:r>
             <a:r>
@@ -44570,7 +44570,7 @@
               <a:t>セメスタ説明会 </a:t>
             </a:r>
             <a:r>
-              <a:rPr kumimoji="1" lang="en-US" altLang="ja-JP"/>
+              <a:rPr kumimoji="1" lang="en-US" altLang="ja-JP" dirty="0"/>
               <a:t>https://utelecon.adm.u-tokyo.ac.jp/</a:t>
             </a:r>
             <a:endParaRPr kumimoji="1" lang="ja-JP" altLang="en-US"/>
@@ -44674,7 +44674,7 @@
           <a:lstStyle/>
           <a:p>
             <a:r>
-              <a:rPr kumimoji="1" lang="en-US" altLang="ja-JP"/>
+              <a:rPr kumimoji="1" lang="en-US" altLang="ja-JP" dirty="0"/>
               <a:t>2021/9/15</a:t>
             </a:r>
             <a:endParaRPr kumimoji="1" lang="ja-JP" altLang="en-US"/>
@@ -44697,7 +44697,7 @@
           <a:lstStyle/>
           <a:p>
             <a:r>
-              <a:rPr kumimoji="1" lang="en-US" altLang="ja-JP"/>
+              <a:rPr kumimoji="1" lang="en-US" altLang="ja-JP" dirty="0"/>
               <a:t>2021A</a:t>
             </a:r>
             <a:r>
@@ -44705,7 +44705,7 @@
               <a:t>セメスタ説明会 </a:t>
             </a:r>
             <a:r>
-              <a:rPr kumimoji="1" lang="en-US" altLang="ja-JP"/>
+              <a:rPr kumimoji="1" lang="en-US" altLang="ja-JP" dirty="0"/>
               <a:t>https://utelecon.adm.u-tokyo.ac.jp/</a:t>
             </a:r>
             <a:endParaRPr kumimoji="1" lang="ja-JP" altLang="en-US"/>
@@ -44777,7 +44777,7 @@
           <a:lstStyle/>
           <a:p>
             <a:r>
-              <a:rPr kumimoji="1" lang="en-US" altLang="ja-JP"/>
+              <a:rPr kumimoji="1" lang="en-US" altLang="ja-JP" dirty="0"/>
               <a:t>2021/9/15</a:t>
             </a:r>
             <a:endParaRPr kumimoji="1" lang="ja-JP" altLang="en-US"/>
@@ -44800,7 +44800,7 @@
           <a:lstStyle/>
           <a:p>
             <a:r>
-              <a:rPr kumimoji="1" lang="en-US" altLang="ja-JP"/>
+              <a:rPr kumimoji="1" lang="en-US" altLang="ja-JP" dirty="0"/>
               <a:t>2021A</a:t>
             </a:r>
             <a:r>
@@ -44808,7 +44808,7 @@
               <a:t>セメスタ説明会 </a:t>
             </a:r>
             <a:r>
-              <a:rPr kumimoji="1" lang="en-US" altLang="ja-JP"/>
+              <a:rPr kumimoji="1" lang="en-US" altLang="ja-JP" dirty="0"/>
               <a:t>https://utelecon.adm.u-tokyo.ac.jp/</a:t>
             </a:r>
             <a:endParaRPr kumimoji="1" lang="ja-JP" altLang="en-US"/>
@@ -45155,7 +45155,7 @@
           <a:lstStyle/>
           <a:p>
             <a:r>
-              <a:rPr kumimoji="1" lang="en-US" altLang="ja-JP"/>
+              <a:rPr kumimoji="1" lang="en-US" altLang="ja-JP" dirty="0"/>
               <a:t>2021/9/15</a:t>
             </a:r>
             <a:endParaRPr kumimoji="1" lang="ja-JP" altLang="en-US"/>
@@ -45178,7 +45178,7 @@
           <a:lstStyle/>
           <a:p>
             <a:r>
-              <a:rPr kumimoji="1" lang="en-US" altLang="ja-JP"/>
+              <a:rPr kumimoji="1" lang="en-US" altLang="ja-JP" dirty="0"/>
               <a:t>2021A</a:t>
             </a:r>
             <a:r>
@@ -45186,7 +45186,7 @@
               <a:t>セメスタ説明会 </a:t>
             </a:r>
             <a:r>
-              <a:rPr kumimoji="1" lang="en-US" altLang="ja-JP"/>
+              <a:rPr kumimoji="1" lang="en-US" altLang="ja-JP" dirty="0"/>
               <a:t>https://utelecon.adm.u-tokyo.ac.jp/</a:t>
             </a:r>
             <a:endParaRPr kumimoji="1" lang="ja-JP" altLang="en-US"/>
@@ -45360,7 +45360,7 @@
               <a:rPr kumimoji="0" lang="ja-JP" altLang="en-US"/>
               <a:t>アイコンをクリックして図を追加</a:t>
             </a:r>
-            <a:endParaRPr kumimoji="0" lang="en-US"/>
+            <a:endParaRPr kumimoji="0" lang="en-US" dirty="0"/>
           </a:p>
         </p:txBody>
       </p:sp>
@@ -45506,7 +45506,7 @@
           <a:lstStyle/>
           <a:p>
             <a:r>
-              <a:rPr kumimoji="1" lang="en-US" altLang="ja-JP"/>
+              <a:rPr kumimoji="1" lang="en-US" altLang="ja-JP" dirty="0"/>
               <a:t>2021/9/15</a:t>
             </a:r>
             <a:endParaRPr kumimoji="1" lang="ja-JP" altLang="en-US"/>
@@ -45529,7 +45529,7 @@
           <a:lstStyle/>
           <a:p>
             <a:r>
-              <a:rPr kumimoji="1" lang="en-US" altLang="ja-JP"/>
+              <a:rPr kumimoji="1" lang="en-US" altLang="ja-JP" dirty="0"/>
               <a:t>2021A</a:t>
             </a:r>
             <a:r>
@@ -45537,7 +45537,7 @@
               <a:t>セメスタ説明会 </a:t>
             </a:r>
             <a:r>
-              <a:rPr kumimoji="1" lang="en-US" altLang="ja-JP"/>
+              <a:rPr kumimoji="1" lang="en-US" altLang="ja-JP" dirty="0"/>
               <a:t>https://utelecon.adm.u-tokyo.ac.jp/</a:t>
             </a:r>
             <a:endParaRPr kumimoji="1" lang="ja-JP" altLang="en-US"/>
@@ -52011,7 +52011,7 @@
           </a:lstStyle>
           <a:p>
             <a:r>
-              <a:rPr kumimoji="1" lang="en-US" altLang="ja-JP"/>
+              <a:rPr kumimoji="1" lang="en-US" altLang="ja-JP" dirty="0"/>
               <a:t>2021/9/15</a:t>
             </a:r>
             <a:endParaRPr kumimoji="1" lang="ja-JP" altLang="en-US"/>
@@ -52050,7 +52050,7 @@
           </a:lstStyle>
           <a:p>
             <a:r>
-              <a:rPr kumimoji="1" lang="en-US" altLang="ja-JP"/>
+              <a:rPr kumimoji="1" lang="en-US" altLang="ja-JP" dirty="0"/>
               <a:t>2021A</a:t>
             </a:r>
             <a:r>
@@ -52058,7 +52058,7 @@
               <a:t>セメスタ説明会 </a:t>
             </a:r>
             <a:r>
-              <a:rPr kumimoji="1" lang="en-US" altLang="ja-JP"/>
+              <a:rPr kumimoji="1" lang="en-US" altLang="ja-JP" dirty="0"/>
               <a:t>https://utelecon.adm.u-tokyo.ac.jp/</a:t>
             </a:r>
             <a:endParaRPr kumimoji="1" lang="ja-JP" altLang="en-US" dirty="0"/>
@@ -52540,7 +52540,7 @@
           <a:lstStyle/>
           <a:p>
             <a:r>
-              <a:rPr kumimoji="1" lang="en-US" altLang="ja-JP"/>
+              <a:rPr kumimoji="1" lang="en-US" altLang="ja-JP" dirty="0"/>
               <a:t>2021/9/15</a:t>
             </a:r>
             <a:endParaRPr kumimoji="1" lang="ja-JP" altLang="en-US"/>
@@ -52569,7 +52569,7 @@
           <a:lstStyle/>
           <a:p>
             <a:r>
-              <a:rPr kumimoji="1" lang="en-US" altLang="ja-JP"/>
+              <a:rPr kumimoji="1" lang="en-US" altLang="ja-JP" dirty="0"/>
               <a:t>2021A</a:t>
             </a:r>
             <a:r>
@@ -52577,7 +52577,7 @@
               <a:t>セメスタ説明会 </a:t>
             </a:r>
             <a:r>
-              <a:rPr kumimoji="1" lang="en-US" altLang="ja-JP"/>
+              <a:rPr kumimoji="1" lang="en-US" altLang="ja-JP" dirty="0"/>
               <a:t>https://utelecon.adm.u-tokyo.ac.jp/</a:t>
             </a:r>
             <a:endParaRPr kumimoji="1" lang="ja-JP" altLang="en-US" dirty="0"/>
@@ -53918,7 +53918,12 @@
             <p:ph idx="1"/>
           </p:nvPr>
         </p:nvSpPr>
-        <p:spPr/>
+        <p:spPr>
+          <a:xfrm>
+            <a:off x="457200" y="1500174"/>
+            <a:ext cx="6096000" cy="4525963"/>
+          </a:xfrm>
+        </p:spPr>
         <p:txBody>
           <a:bodyPr>
             <a:normAutofit/>
@@ -54078,6 +54083,274 @@
               <a:t>12</a:t>
             </a:fld>
             <a:endParaRPr kumimoji="1" lang="ja-JP" altLang="en-US"/>
+          </a:p>
+        </p:txBody>
+      </p:sp>
+      <p:sp>
+        <p:nvSpPr>
+          <p:cNvPr id="7" name="正方形/長方形 6">
+            <a:extLst>
+              <a:ext uri="{FF2B5EF4-FFF2-40B4-BE49-F238E27FC236}">
+                <a16:creationId xmlns:a16="http://schemas.microsoft.com/office/drawing/2014/main" id="{26C457AB-9F7E-4F86-A19D-0F0EA496E8ED}"/>
+              </a:ext>
+            </a:extLst>
+          </p:cNvPr>
+          <p:cNvSpPr/>
+          <p:nvPr/>
+        </p:nvSpPr>
+        <p:spPr>
+          <a:xfrm>
+            <a:off x="6732240" y="44624"/>
+            <a:ext cx="1719823" cy="3289420"/>
+          </a:xfrm>
+          <a:prstGeom prst="rect">
+            <a:avLst/>
+          </a:prstGeom>
+          <a:solidFill>
+            <a:schemeClr val="bg1">
+              <a:lumMod val="95000"/>
+            </a:schemeClr>
+          </a:solidFill>
+        </p:spPr>
+        <p:style>
+          <a:lnRef idx="2">
+            <a:schemeClr val="accent1">
+              <a:shade val="50000"/>
+            </a:schemeClr>
+          </a:lnRef>
+          <a:fillRef idx="1">
+            <a:schemeClr val="accent1"/>
+          </a:fillRef>
+          <a:effectRef idx="0">
+            <a:schemeClr val="accent1"/>
+          </a:effectRef>
+          <a:fontRef idx="minor">
+            <a:schemeClr val="lt1"/>
+          </a:fontRef>
+        </p:style>
+        <p:txBody>
+          <a:bodyPr vert="eaVert" rtlCol="0" anchor="ctr"/>
+          <a:lstStyle/>
+          <a:p>
+            <a:r>
+              <a:rPr kumimoji="1" lang="ja-JP" altLang="en-US" sz="3200" dirty="0">
+                <a:solidFill>
+                  <a:schemeClr val="tx1"/>
+                </a:solidFill>
+                <a:latin typeface="UD デジタル 教科書体 N-B" panose="02020700000000000000" pitchFamily="17" charset="-128"/>
+                <a:ea typeface="UD デジタル 教科書体 N-B" panose="02020700000000000000" pitchFamily="17" charset="-128"/>
+              </a:rPr>
+              <a:t>多要素</a:t>
+            </a:r>
+            <a:r>
+              <a:rPr lang="ja-JP" altLang="en-US" sz="3200" dirty="0">
+                <a:solidFill>
+                  <a:schemeClr val="tx1"/>
+                </a:solidFill>
+                <a:latin typeface="UD デジタル 教科書体 N-B" panose="02020700000000000000" pitchFamily="17" charset="-128"/>
+                <a:ea typeface="UD デジタル 教科書体 N-B" panose="02020700000000000000" pitchFamily="17" charset="-128"/>
+              </a:rPr>
+              <a:t>の</a:t>
+            </a:r>
+            <a:endParaRPr lang="en-US" altLang="ja-JP" sz="3200" dirty="0">
+              <a:solidFill>
+                <a:schemeClr val="tx1"/>
+              </a:solidFill>
+              <a:latin typeface="UD デジタル 教科書体 N-B" panose="02020700000000000000" pitchFamily="17" charset="-128"/>
+              <a:ea typeface="UD デジタル 教科書体 N-B" panose="02020700000000000000" pitchFamily="17" charset="-128"/>
+            </a:endParaRPr>
+          </a:p>
+          <a:p>
+            <a:r>
+              <a:rPr lang="ja-JP" altLang="en-US" sz="3200" dirty="0">
+                <a:solidFill>
+                  <a:schemeClr val="tx1"/>
+                </a:solidFill>
+                <a:latin typeface="UD デジタル 教科書体 N-B" panose="02020700000000000000" pitchFamily="17" charset="-128"/>
+                <a:ea typeface="UD デジタル 教科書体 N-B" panose="02020700000000000000" pitchFamily="17" charset="-128"/>
+              </a:rPr>
+              <a:t>　　設定終えて</a:t>
+            </a:r>
+            <a:endParaRPr lang="en-US" altLang="ja-JP" sz="3200" dirty="0">
+              <a:solidFill>
+                <a:schemeClr val="tx1"/>
+              </a:solidFill>
+              <a:latin typeface="UD デジタル 教科書体 N-B" panose="02020700000000000000" pitchFamily="17" charset="-128"/>
+              <a:ea typeface="UD デジタル 教科書体 N-B" panose="02020700000000000000" pitchFamily="17" charset="-128"/>
+            </a:endParaRPr>
+          </a:p>
+          <a:p>
+            <a:pPr algn="ctr"/>
+            <a:r>
+              <a:rPr lang="ja-JP" altLang="en-US" sz="3200" dirty="0">
+                <a:solidFill>
+                  <a:schemeClr val="tx1"/>
+                </a:solidFill>
+                <a:latin typeface="UD デジタル 教科書体 N-B" panose="02020700000000000000" pitchFamily="17" charset="-128"/>
+                <a:ea typeface="UD デジタル 教科書体 N-B" panose="02020700000000000000" pitchFamily="17" charset="-128"/>
+              </a:rPr>
+              <a:t>　　　　秋涼し</a:t>
+            </a:r>
+            <a:endParaRPr kumimoji="1" lang="ja-JP" altLang="en-US" sz="3200" dirty="0">
+              <a:solidFill>
+                <a:schemeClr val="tx1"/>
+              </a:solidFill>
+              <a:latin typeface="UD デジタル 教科書体 N-B" panose="02020700000000000000" pitchFamily="17" charset="-128"/>
+              <a:ea typeface="UD デジタル 教科書体 N-B" panose="02020700000000000000" pitchFamily="17" charset="-128"/>
+            </a:endParaRPr>
+          </a:p>
+        </p:txBody>
+      </p:sp>
+      <p:sp>
+        <p:nvSpPr>
+          <p:cNvPr id="8" name="正方形/長方形 7">
+            <a:extLst>
+              <a:ext uri="{FF2B5EF4-FFF2-40B4-BE49-F238E27FC236}">
+                <a16:creationId xmlns:a16="http://schemas.microsoft.com/office/drawing/2014/main" id="{56D8687B-CE84-4436-9488-64A46C1F6B13}"/>
+              </a:ext>
+            </a:extLst>
+          </p:cNvPr>
+          <p:cNvSpPr/>
+          <p:nvPr/>
+        </p:nvSpPr>
+        <p:spPr>
+          <a:xfrm>
+            <a:off x="6732240" y="3429000"/>
+            <a:ext cx="1719823" cy="3388086"/>
+          </a:xfrm>
+          <a:prstGeom prst="rect">
+            <a:avLst/>
+          </a:prstGeom>
+          <a:solidFill>
+            <a:schemeClr val="bg1">
+              <a:lumMod val="95000"/>
+            </a:schemeClr>
+          </a:solidFill>
+        </p:spPr>
+        <p:style>
+          <a:lnRef idx="2">
+            <a:schemeClr val="accent1">
+              <a:shade val="50000"/>
+            </a:schemeClr>
+          </a:lnRef>
+          <a:fillRef idx="1">
+            <a:schemeClr val="accent1"/>
+          </a:fillRef>
+          <a:effectRef idx="0">
+            <a:schemeClr val="accent1"/>
+          </a:effectRef>
+          <a:fontRef idx="minor">
+            <a:schemeClr val="lt1"/>
+          </a:fontRef>
+        </p:style>
+        <p:txBody>
+          <a:bodyPr vert="eaVert" rtlCol="0" anchor="ctr"/>
+          <a:lstStyle/>
+          <a:p>
+            <a:r>
+              <a:rPr kumimoji="1" lang="ja-JP" altLang="en-US" sz="3200" dirty="0">
+                <a:solidFill>
+                  <a:schemeClr val="tx1"/>
+                </a:solidFill>
+                <a:latin typeface="UD デジタル 教科書体 N-B" panose="02020700000000000000" pitchFamily="17" charset="-128"/>
+                <a:ea typeface="UD デジタル 教科書体 N-B" panose="02020700000000000000" pitchFamily="17" charset="-128"/>
+              </a:rPr>
+              <a:t>入るたび</a:t>
+            </a:r>
+            <a:endParaRPr kumimoji="1" lang="en-US" altLang="ja-JP" sz="3200" dirty="0">
+              <a:solidFill>
+                <a:schemeClr val="tx1"/>
+              </a:solidFill>
+              <a:latin typeface="UD デジタル 教科書体 N-B" panose="02020700000000000000" pitchFamily="17" charset="-128"/>
+              <a:ea typeface="UD デジタル 教科書体 N-B" panose="02020700000000000000" pitchFamily="17" charset="-128"/>
+            </a:endParaRPr>
+          </a:p>
+          <a:p>
+            <a:r>
+              <a:rPr lang="ja-JP" altLang="en-US" sz="3200" dirty="0">
+                <a:solidFill>
+                  <a:schemeClr val="tx1"/>
+                </a:solidFill>
+                <a:latin typeface="UD デジタル 教科書体 N-B" panose="02020700000000000000" pitchFamily="17" charset="-128"/>
+                <a:ea typeface="UD デジタル 教科書体 N-B" panose="02020700000000000000" pitchFamily="17" charset="-128"/>
+              </a:rPr>
+              <a:t>　スマホ鳴るなり</a:t>
+            </a:r>
+            <a:endParaRPr lang="en-US" altLang="ja-JP" sz="3200" dirty="0">
+              <a:solidFill>
+                <a:schemeClr val="tx1"/>
+              </a:solidFill>
+              <a:latin typeface="UD デジタル 教科書体 N-B" panose="02020700000000000000" pitchFamily="17" charset="-128"/>
+              <a:ea typeface="UD デジタル 教科書体 N-B" panose="02020700000000000000" pitchFamily="17" charset="-128"/>
+            </a:endParaRPr>
+          </a:p>
+          <a:p>
+            <a:r>
+              <a:rPr lang="ja-JP" altLang="en-US" sz="3200" dirty="0">
+                <a:solidFill>
+                  <a:schemeClr val="tx1"/>
+                </a:solidFill>
+                <a:latin typeface="UD デジタル 教科書体 N-B" panose="02020700000000000000" pitchFamily="17" charset="-128"/>
+                <a:ea typeface="UD デジタル 教科書体 N-B" panose="02020700000000000000" pitchFamily="17" charset="-128"/>
+              </a:rPr>
+              <a:t>　　　　秋の音</a:t>
+            </a:r>
+            <a:endParaRPr kumimoji="1" lang="ja-JP" altLang="en-US" sz="3200" dirty="0">
+              <a:solidFill>
+                <a:schemeClr val="tx1"/>
+              </a:solidFill>
+              <a:latin typeface="UD デジタル 教科書体 N-B" panose="02020700000000000000" pitchFamily="17" charset="-128"/>
+              <a:ea typeface="UD デジタル 教科書体 N-B" panose="02020700000000000000" pitchFamily="17" charset="-128"/>
+            </a:endParaRPr>
+          </a:p>
+        </p:txBody>
+      </p:sp>
+      <p:sp>
+        <p:nvSpPr>
+          <p:cNvPr id="9" name="正方形/長方形 8">
+            <a:extLst>
+              <a:ext uri="{FF2B5EF4-FFF2-40B4-BE49-F238E27FC236}">
+                <a16:creationId xmlns:a16="http://schemas.microsoft.com/office/drawing/2014/main" id="{BDE80E72-7488-4C54-9258-BD9CBA0CB8A5}"/>
+              </a:ext>
+            </a:extLst>
+          </p:cNvPr>
+          <p:cNvSpPr/>
+          <p:nvPr/>
+        </p:nvSpPr>
+        <p:spPr>
+          <a:xfrm rot="20450801">
+            <a:off x="6572101" y="3255975"/>
+            <a:ext cx="1368152" cy="346050"/>
+          </a:xfrm>
+          <a:prstGeom prst="rect">
+            <a:avLst/>
+          </a:prstGeom>
+        </p:spPr>
+        <p:style>
+          <a:lnRef idx="2">
+            <a:schemeClr val="accent1">
+              <a:shade val="50000"/>
+            </a:schemeClr>
+          </a:lnRef>
+          <a:fillRef idx="1">
+            <a:schemeClr val="accent1"/>
+          </a:fillRef>
+          <a:effectRef idx="0">
+            <a:schemeClr val="accent1"/>
+          </a:effectRef>
+          <a:fontRef idx="minor">
+            <a:schemeClr val="lt1"/>
+          </a:fontRef>
+        </p:style>
+        <p:txBody>
+          <a:bodyPr rtlCol="0" anchor="ctr"/>
+          <a:lstStyle/>
+          <a:p>
+            <a:pPr algn="ctr"/>
+            <a:r>
+              <a:rPr kumimoji="1" lang="ja-JP" altLang="en-US" sz="1400" dirty="0"/>
+              <a:t>著作権フリー</a:t>
+            </a:r>
           </a:p>
         </p:txBody>
       </p:sp>
@@ -54243,7 +54516,7 @@
           <a:lstStyle/>
           <a:p>
             <a:r>
-              <a:rPr kumimoji="1" lang="en-US" altLang="ja-JP"/>
+              <a:rPr kumimoji="1" lang="en-US" altLang="ja-JP" dirty="0"/>
               <a:t>2021/9/15</a:t>
             </a:r>
             <a:endParaRPr kumimoji="1" lang="ja-JP" altLang="en-US"/>
@@ -54272,7 +54545,7 @@
           <a:lstStyle/>
           <a:p>
             <a:r>
-              <a:rPr kumimoji="1" lang="en-US" altLang="ja-JP"/>
+              <a:rPr kumimoji="1" lang="en-US" altLang="ja-JP" dirty="0"/>
               <a:t>2021A</a:t>
             </a:r>
             <a:r>
@@ -54280,7 +54553,7 @@
               <a:t>セメスタ説明会 </a:t>
             </a:r>
             <a:r>
-              <a:rPr kumimoji="1" lang="en-US" altLang="ja-JP"/>
+              <a:rPr kumimoji="1" lang="en-US" altLang="ja-JP" dirty="0"/>
               <a:t>https://utelecon.adm.u-tokyo.ac.jp/</a:t>
             </a:r>
             <a:endParaRPr kumimoji="1" lang="ja-JP" altLang="en-US" dirty="0"/>
@@ -54413,17 +54686,6 @@
               <a:p>
                 <a:pPr algn="ctr"/>
                 <a:r>
-                  <a:rPr kumimoji="1" lang="en-US" altLang="ja-JP" sz="1200" b="1" dirty="0" err="1">
-                    <a:solidFill>
-                      <a:schemeClr val="tx1"/>
-                    </a:solidFill>
-                    <a:latin typeface="Meiryo UI" panose="020B0604030504040204" pitchFamily="50" charset="-128"/>
-                    <a:ea typeface="Meiryo UI" panose="020B0604030504040204" pitchFamily="50" charset="-128"/>
-                    <a:hlinkClick r:id="rId2"/>
-                  </a:rPr>
-                  <a:t>UTokyo</a:t>
-                </a:r>
-                <a:r>
                   <a:rPr kumimoji="1" lang="en-US" altLang="ja-JP" sz="1200" b="1" dirty="0">
                     <a:solidFill>
                       <a:schemeClr val="tx1"/>
@@ -54432,7 +54694,7 @@
                     <a:ea typeface="Meiryo UI" panose="020B0604030504040204" pitchFamily="50" charset="-128"/>
                     <a:hlinkClick r:id="rId2"/>
                   </a:rPr>
-                  <a:t> Account</a:t>
+                  <a:t>UTokyo Account</a:t>
                 </a:r>
                 <a:endParaRPr kumimoji="1" lang="ja-JP" altLang="en-US" sz="1200" dirty="0">
                   <a:solidFill>
@@ -55456,7 +55718,7 @@
           <a:lstStyle/>
           <a:p>
             <a:r>
-              <a:rPr kumimoji="1" lang="en-US" altLang="ja-JP"/>
+              <a:rPr kumimoji="1" lang="en-US" altLang="ja-JP" dirty="0"/>
               <a:t>2021/9/15</a:t>
             </a:r>
             <a:endParaRPr kumimoji="1" lang="ja-JP" altLang="en-US"/>
@@ -55485,7 +55747,7 @@
           <a:lstStyle/>
           <a:p>
             <a:r>
-              <a:rPr kumimoji="1" lang="en-US" altLang="ja-JP"/>
+              <a:rPr kumimoji="1" lang="en-US" altLang="ja-JP" dirty="0"/>
               <a:t>2021A</a:t>
             </a:r>
             <a:r>
@@ -55493,7 +55755,7 @@
               <a:t>セメスタ説明会 </a:t>
             </a:r>
             <a:r>
-              <a:rPr kumimoji="1" lang="en-US" altLang="ja-JP"/>
+              <a:rPr kumimoji="1" lang="en-US" altLang="ja-JP" dirty="0"/>
               <a:t>https://utelecon.adm.u-tokyo.ac.jp/</a:t>
             </a:r>
             <a:endParaRPr kumimoji="1" lang="ja-JP" altLang="en-US" dirty="0"/>
@@ -55938,7 +56200,7 @@
           <a:lstStyle/>
           <a:p>
             <a:r>
-              <a:rPr kumimoji="1" lang="en-US" altLang="ja-JP"/>
+              <a:rPr kumimoji="1" lang="en-US" altLang="ja-JP" dirty="0"/>
               <a:t>2021/9/15</a:t>
             </a:r>
             <a:endParaRPr kumimoji="1" lang="ja-JP" altLang="en-US"/>
@@ -55967,7 +56229,7 @@
           <a:lstStyle/>
           <a:p>
             <a:r>
-              <a:rPr kumimoji="1" lang="en-US" altLang="ja-JP"/>
+              <a:rPr kumimoji="1" lang="en-US" altLang="ja-JP" dirty="0"/>
               <a:t>2021A</a:t>
             </a:r>
             <a:r>
@@ -55975,7 +56237,7 @@
               <a:t>セメスタ説明会 </a:t>
             </a:r>
             <a:r>
-              <a:rPr kumimoji="1" lang="en-US" altLang="ja-JP"/>
+              <a:rPr kumimoji="1" lang="en-US" altLang="ja-JP" dirty="0"/>
               <a:t>https://utelecon.adm.u-tokyo.ac.jp/</a:t>
             </a:r>
             <a:endParaRPr kumimoji="1" lang="ja-JP" altLang="en-US" dirty="0"/>
@@ -56196,7 +56458,7 @@
           <a:lstStyle/>
           <a:p>
             <a:r>
-              <a:rPr kumimoji="1" lang="en-US" altLang="ja-JP"/>
+              <a:rPr kumimoji="1" lang="en-US" altLang="ja-JP" dirty="0"/>
               <a:t>2021/9/15</a:t>
             </a:r>
             <a:endParaRPr kumimoji="1" lang="ja-JP" altLang="en-US"/>
@@ -56225,7 +56487,7 @@
           <a:lstStyle/>
           <a:p>
             <a:r>
-              <a:rPr kumimoji="1" lang="en-US" altLang="ja-JP"/>
+              <a:rPr kumimoji="1" lang="en-US" altLang="ja-JP" dirty="0"/>
               <a:t>2021A</a:t>
             </a:r>
             <a:r>
@@ -56233,7 +56495,7 @@
               <a:t>セメスタ説明会 </a:t>
             </a:r>
             <a:r>
-              <a:rPr kumimoji="1" lang="en-US" altLang="ja-JP"/>
+              <a:rPr kumimoji="1" lang="en-US" altLang="ja-JP" dirty="0"/>
               <a:t>https://utelecon.adm.u-tokyo.ac.jp/</a:t>
             </a:r>
             <a:endParaRPr kumimoji="1" lang="ja-JP" altLang="en-US" dirty="0"/>
@@ -56355,7 +56617,7 @@
           <a:lstStyle/>
           <a:p>
             <a:r>
-              <a:rPr kumimoji="1" lang="en-US" altLang="ja-JP"/>
+              <a:rPr kumimoji="1" lang="en-US" altLang="ja-JP" dirty="0"/>
               <a:t>2021/9/15</a:t>
             </a:r>
             <a:endParaRPr kumimoji="1" lang="ja-JP" altLang="en-US"/>
@@ -56384,7 +56646,7 @@
           <a:lstStyle/>
           <a:p>
             <a:r>
-              <a:rPr kumimoji="1" lang="en-US" altLang="ja-JP"/>
+              <a:rPr kumimoji="1" lang="en-US" altLang="ja-JP" dirty="0"/>
               <a:t>2021A</a:t>
             </a:r>
             <a:r>
@@ -56392,7 +56654,7 @@
               <a:t>セメスタ説明会 </a:t>
             </a:r>
             <a:r>
-              <a:rPr kumimoji="1" lang="en-US" altLang="ja-JP"/>
+              <a:rPr kumimoji="1" lang="en-US" altLang="ja-JP" dirty="0"/>
               <a:t>https://utelecon.adm.u-tokyo.ac.jp/</a:t>
             </a:r>
             <a:endParaRPr kumimoji="1" lang="ja-JP" altLang="en-US" dirty="0"/>
@@ -56778,7 +57040,7 @@
           <a:lstStyle/>
           <a:p>
             <a:r>
-              <a:rPr kumimoji="1" lang="en-US" altLang="ja-JP"/>
+              <a:rPr kumimoji="1" lang="en-US" altLang="ja-JP" dirty="0"/>
               <a:t>2021/9/15</a:t>
             </a:r>
             <a:endParaRPr kumimoji="1" lang="ja-JP" altLang="en-US"/>
@@ -56807,7 +57069,7 @@
           <a:lstStyle/>
           <a:p>
             <a:r>
-              <a:rPr kumimoji="1" lang="en-US" altLang="ja-JP"/>
+              <a:rPr kumimoji="1" lang="en-US" altLang="ja-JP" dirty="0"/>
               <a:t>2021A</a:t>
             </a:r>
             <a:r>
@@ -56815,7 +57077,7 @@
               <a:t>セメスタ説明会 </a:t>
             </a:r>
             <a:r>
-              <a:rPr kumimoji="1" lang="en-US" altLang="ja-JP"/>
+              <a:rPr kumimoji="1" lang="en-US" altLang="ja-JP" dirty="0"/>
               <a:t>https://utelecon.adm.u-tokyo.ac.jp/</a:t>
             </a:r>
             <a:endParaRPr kumimoji="1" lang="ja-JP" altLang="en-US" dirty="0"/>
@@ -57042,7 +57304,7 @@
           <a:lstStyle/>
           <a:p>
             <a:r>
-              <a:rPr kumimoji="1" lang="en-US" altLang="ja-JP"/>
+              <a:rPr kumimoji="1" lang="en-US" altLang="ja-JP" dirty="0"/>
               <a:t>2021/9/15</a:t>
             </a:r>
             <a:endParaRPr kumimoji="1" lang="ja-JP" altLang="en-US"/>
@@ -57071,7 +57333,7 @@
           <a:lstStyle/>
           <a:p>
             <a:r>
-              <a:rPr kumimoji="1" lang="en-US" altLang="ja-JP"/>
+              <a:rPr kumimoji="1" lang="en-US" altLang="ja-JP" dirty="0"/>
               <a:t>2021A</a:t>
             </a:r>
             <a:r>
@@ -57079,7 +57341,7 @@
               <a:t>セメスタ説明会 </a:t>
             </a:r>
             <a:r>
-              <a:rPr kumimoji="1" lang="en-US" altLang="ja-JP"/>
+              <a:rPr kumimoji="1" lang="en-US" altLang="ja-JP" dirty="0"/>
               <a:t>https://utelecon.adm.u-tokyo.ac.jp/</a:t>
             </a:r>
             <a:endParaRPr kumimoji="1" lang="ja-JP" altLang="en-US" dirty="0"/>

--- a/events/2021-09-15/slides/02-security.pptx
+++ b/events/2021-09-15/slides/02-security.pptx
@@ -54101,7 +54101,7 @@
         <p:spPr>
           <a:xfrm>
             <a:off x="6732240" y="44624"/>
-            <a:ext cx="1719823" cy="3289420"/>
+            <a:ext cx="1719823" cy="3384376"/>
           </a:xfrm>
           <a:prstGeom prst="rect">
             <a:avLst/>
@@ -54150,7 +54150,7 @@
                 <a:latin typeface="UD デジタル 教科書体 N-B" panose="02020700000000000000" pitchFamily="17" charset="-128"/>
                 <a:ea typeface="UD デジタル 教科書体 N-B" panose="02020700000000000000" pitchFamily="17" charset="-128"/>
               </a:rPr>
-              <a:t>の</a:t>
+              <a:t>を</a:t>
             </a:r>
             <a:endParaRPr lang="en-US" altLang="ja-JP" sz="3200" dirty="0">
               <a:solidFill>
@@ -54169,7 +54169,7 @@
                 <a:latin typeface="UD デジタル 教科書体 N-B" panose="02020700000000000000" pitchFamily="17" charset="-128"/>
                 <a:ea typeface="UD デジタル 教科書体 N-B" panose="02020700000000000000" pitchFamily="17" charset="-128"/>
               </a:rPr>
-              <a:t>　　設定終えて</a:t>
+              <a:t>　オンしてのどか</a:t>
             </a:r>
             <a:endParaRPr lang="en-US" altLang="ja-JP" sz="3200" dirty="0">
               <a:solidFill>
@@ -54255,7 +54255,7 @@
                 <a:latin typeface="UD デジタル 教科書体 N-B" panose="02020700000000000000" pitchFamily="17" charset="-128"/>
                 <a:ea typeface="UD デジタル 教科書体 N-B" panose="02020700000000000000" pitchFamily="17" charset="-128"/>
               </a:rPr>
-              <a:t>入るたび</a:t>
+              <a:t>入るごと</a:t>
             </a:r>
             <a:endParaRPr kumimoji="1" lang="en-US" altLang="ja-JP" sz="3200" dirty="0">
               <a:solidFill>
@@ -54319,7 +54319,7 @@
         </p:nvSpPr>
         <p:spPr>
           <a:xfrm rot="20450801">
-            <a:off x="6572101" y="3255975"/>
+            <a:off x="5980521" y="3421082"/>
             <a:ext cx="1368152" cy="346050"/>
           </a:xfrm>
           <a:prstGeom prst="rect">

--- a/events/2021-09-15/slides/02-security.pptx
+++ b/events/2021-09-15/slides/02-security.pptx
@@ -253,7 +253,7 @@
             <a:fld id="{35305EB0-020F-4995-961E-A35B2BB78D2B}" type="datetimeFigureOut">
               <a:rPr kumimoji="1" lang="ja-JP" altLang="en-US" smtClean="0"/>
               <a:pPr/>
-              <a:t>2021/9/15</a:t>
+              <a:t>2021/9/17</a:t>
             </a:fld>
             <a:endParaRPr kumimoji="1" lang="ja-JP" altLang="en-US"/>
           </a:p>
@@ -57493,7 +57493,7 @@
             <p:ph idx="1"/>
             <p:extLst>
               <p:ext uri="{D42A27DB-BD31-4B8C-83A1-F6EECF244321}">
-                <p14:modId xmlns:p14="http://schemas.microsoft.com/office/powerpoint/2010/main" val="2693585583"/>
+                <p14:modId xmlns:p14="http://schemas.microsoft.com/office/powerpoint/2010/main" val="3424028086"/>
               </p:ext>
             </p:extLst>
           </p:nvPr>
@@ -57705,9 +57705,15 @@
                         <a:rPr kumimoji="1" lang="en-US" altLang="ja-JP" dirty="0">
                           <a:hlinkClick r:id="rId5"/>
                         </a:rPr>
-                        <a:t>https://idm.ecc.u-tokyo.ac.jp/webmtn/sso-saml</a:t>
+                        <a:t>https://idm.ecc.u-tokyo.ac.jp/</a:t>
                       </a:r>
-                      <a:endParaRPr kumimoji="1" lang="en-US" altLang="ja-JP" dirty="0"/>
+                      <a:r>
+                        <a:rPr kumimoji="1" lang="en-US" altLang="ja-JP">
+                          <a:hlinkClick r:id="rId5"/>
+                        </a:rPr>
+                        <a:t>webmtn/</a:t>
+                      </a:r>
+                      <a:endParaRPr kumimoji="1" lang="en-US" altLang="ja-JP"/>
                     </a:p>
                   </a:txBody>
                   <a:tcPr/>

--- a/events/2021-09-15/slides/02-security.pptx
+++ b/events/2021-09-15/slides/02-security.pptx
@@ -5,7 +5,7 @@
     <p:sldMasterId id="2147483660" r:id="rId1"/>
   </p:sldMasterIdLst>
   <p:notesMasterIdLst>
-    <p:notesMasterId r:id="rId14"/>
+    <p:notesMasterId r:id="rId15"/>
   </p:notesMasterIdLst>
   <p:sldIdLst>
     <p:sldId id="256" r:id="rId2"/>
@@ -18,8 +18,9 @@
     <p:sldId id="1289" r:id="rId9"/>
     <p:sldId id="1288" r:id="rId10"/>
     <p:sldId id="1286" r:id="rId11"/>
-    <p:sldId id="1290" r:id="rId12"/>
-    <p:sldId id="1284" r:id="rId13"/>
+    <p:sldId id="1292" r:id="rId12"/>
+    <p:sldId id="1290" r:id="rId13"/>
+    <p:sldId id="1284" r:id="rId14"/>
   </p:sldIdLst>
   <p:sldSz cx="9144000" cy="6858000" type="screen4x3"/>
   <p:notesSz cx="6858000" cy="9144000"/>
@@ -253,7 +254,7 @@
             <a:fld id="{35305EB0-020F-4995-961E-A35B2BB78D2B}" type="datetimeFigureOut">
               <a:rPr kumimoji="1" lang="ja-JP" altLang="en-US" smtClean="0"/>
               <a:pPr/>
-              <a:t>2021/9/17</a:t>
+              <a:t>2021/9/28</a:t>
             </a:fld>
             <a:endParaRPr kumimoji="1" lang="ja-JP" altLang="en-US"/>
           </a:p>
@@ -626,6 +627,91 @@
     <p:extLst>
       <p:ext uri="{BB962C8B-B14F-4D97-AF65-F5344CB8AC3E}">
         <p14:creationId xmlns:p14="http://schemas.microsoft.com/office/powerpoint/2010/main" val="3427348667"/>
+      </p:ext>
+    </p:extLst>
+  </p:cSld>
+  <p:clrMapOvr>
+    <a:masterClrMapping/>
+  </p:clrMapOvr>
+</p:notes>
+</file>
+
+<file path=ppt/notesSlides/notesSlide2.xml><?xml version="1.0" encoding="utf-8"?>
+<p:notes xmlns:a="http://schemas.openxmlformats.org/drawingml/2006/main" xmlns:r="http://schemas.openxmlformats.org/officeDocument/2006/relationships" xmlns:p="http://schemas.openxmlformats.org/presentationml/2006/main">
+  <p:cSld>
+    <p:spTree>
+      <p:nvGrpSpPr>
+        <p:cNvPr id="1" name=""/>
+        <p:cNvGrpSpPr/>
+        <p:nvPr/>
+      </p:nvGrpSpPr>
+      <p:grpSpPr>
+        <a:xfrm>
+          <a:off x="0" y="0"/>
+          <a:ext cx="0" cy="0"/>
+          <a:chOff x="0" y="0"/>
+          <a:chExt cx="0" cy="0"/>
+        </a:xfrm>
+      </p:grpSpPr>
+      <p:sp>
+        <p:nvSpPr>
+          <p:cNvPr id="2" name="スライド イメージ プレースホルダー 1"/>
+          <p:cNvSpPr>
+            <a:spLocks noGrp="1" noRot="1" noChangeAspect="1"/>
+          </p:cNvSpPr>
+          <p:nvPr>
+            <p:ph type="sldImg"/>
+          </p:nvPr>
+        </p:nvSpPr>
+        <p:spPr/>
+      </p:sp>
+      <p:sp>
+        <p:nvSpPr>
+          <p:cNvPr id="3" name="ノート プレースホルダー 2"/>
+          <p:cNvSpPr>
+            <a:spLocks noGrp="1"/>
+          </p:cNvSpPr>
+          <p:nvPr>
+            <p:ph type="body" idx="1"/>
+          </p:nvPr>
+        </p:nvSpPr>
+        <p:spPr/>
+        <p:txBody>
+          <a:bodyPr/>
+          <a:lstStyle/>
+          <a:p>
+            <a:endParaRPr kumimoji="1" lang="ja-JP" altLang="en-US" dirty="0"/>
+          </a:p>
+        </p:txBody>
+      </p:sp>
+      <p:sp>
+        <p:nvSpPr>
+          <p:cNvPr id="4" name="スライド番号プレースホルダー 3"/>
+          <p:cNvSpPr>
+            <a:spLocks noGrp="1"/>
+          </p:cNvSpPr>
+          <p:nvPr>
+            <p:ph type="sldNum" sz="quarter" idx="5"/>
+          </p:nvPr>
+        </p:nvSpPr>
+        <p:spPr/>
+        <p:txBody>
+          <a:bodyPr/>
+          <a:lstStyle/>
+          <a:p>
+            <a:fld id="{FD842DED-4B9B-4568-AC85-B50FA0785511}" type="slidenum">
+              <a:rPr kumimoji="1" lang="ja-JP" altLang="en-US" smtClean="0"/>
+              <a:pPr/>
+              <a:t>10</a:t>
+            </a:fld>
+            <a:endParaRPr kumimoji="1" lang="ja-JP" altLang="en-US"/>
+          </a:p>
+        </p:txBody>
+      </p:sp>
+    </p:spTree>
+    <p:extLst>
+      <p:ext uri="{BB962C8B-B14F-4D97-AF65-F5344CB8AC3E}">
+        <p14:creationId xmlns:p14="http://schemas.microsoft.com/office/powerpoint/2010/main" val="1821034084"/>
       </p:ext>
     </p:extLst>
   </p:cSld>
@@ -52709,61 +52795,61 @@
           </a:p>
           <a:p>
             <a:r>
-              <a:rPr lang="ja-JP" altLang="en-US" dirty="0"/>
+              <a:rPr lang="ja-JP" altLang="en-US" strike="sngStrike" dirty="0"/>
               <a:t>目的に照らすと、取り消しを自動で認めることはできず、改めての「本人確認」が必要</a:t>
             </a:r>
-            <a:endParaRPr lang="en-US" altLang="ja-JP" dirty="0"/>
+            <a:endParaRPr lang="en-US" altLang="ja-JP" strike="sngStrike" dirty="0"/>
           </a:p>
           <a:p>
             <a:r>
-              <a:rPr lang="ja-JP" altLang="en-US" dirty="0"/>
+              <a:rPr lang="ja-JP" altLang="en-US" strike="sngStrike" dirty="0"/>
               <a:t>ご本人</a:t>
             </a:r>
             <a:r>
-              <a:rPr lang="ja-JP" altLang="en-US" dirty="0">
+              <a:rPr lang="ja-JP" altLang="en-US" strike="sngStrike" dirty="0">
                 <a:sym typeface="Symbol" panose="05050102010706020507" pitchFamily="18" charset="2"/>
               </a:rPr>
               <a:t></a:t>
             </a:r>
             <a:r>
-              <a:rPr lang="ja-JP" altLang="en-US" dirty="0"/>
+              <a:rPr lang="ja-JP" altLang="en-US" strike="sngStrike" dirty="0"/>
               <a:t> 事務 </a:t>
             </a:r>
             <a:r>
-              <a:rPr lang="ja-JP" altLang="en-US" dirty="0">
+              <a:rPr lang="ja-JP" altLang="en-US" strike="sngStrike" dirty="0">
                 <a:sym typeface="Symbol" panose="05050102010706020507" pitchFamily="18" charset="2"/>
               </a:rPr>
               <a:t> </a:t>
             </a:r>
             <a:r>
-              <a:rPr lang="en-US" altLang="ja-JP" dirty="0" err="1"/>
+              <a:rPr lang="en-US" altLang="ja-JP" strike="sngStrike" dirty="0" err="1"/>
               <a:t>utelecon</a:t>
             </a:r>
             <a:r>
-              <a:rPr lang="ja-JP" altLang="en-US" dirty="0"/>
+              <a:rPr lang="ja-JP" altLang="en-US" strike="sngStrike" dirty="0"/>
               <a:t>という経路で取り消しを受け付けます</a:t>
             </a:r>
-            <a:endParaRPr lang="en-US" altLang="ja-JP" dirty="0"/>
+            <a:endParaRPr lang="en-US" altLang="ja-JP" strike="sngStrike" dirty="0"/>
           </a:p>
           <a:p>
             <a:pPr lvl="1"/>
             <a:r>
-              <a:rPr lang="ja-JP" altLang="en-US" dirty="0"/>
+              <a:rPr lang="ja-JP" altLang="en-US" strike="sngStrike" dirty="0"/>
               <a:t>専攻事務の皆様のご協力（取次ぎ）をお願いいたします</a:t>
             </a:r>
-            <a:endParaRPr lang="en-US" altLang="ja-JP" dirty="0"/>
+            <a:endParaRPr lang="en-US" altLang="ja-JP" strike="sngStrike" dirty="0"/>
           </a:p>
           <a:p>
             <a:pPr lvl="1"/>
             <a:r>
-              <a:rPr lang="en-US" altLang="ja-JP" dirty="0"/>
+              <a:rPr lang="en-US" altLang="ja-JP" strike="sngStrike" dirty="0"/>
               <a:t>UTokyo Account</a:t>
             </a:r>
             <a:r>
-              <a:rPr lang="ja-JP" altLang="en-US" dirty="0"/>
+              <a:rPr lang="ja-JP" altLang="en-US" strike="sngStrike" dirty="0"/>
               <a:t>のパスワードリセットと同じ</a:t>
             </a:r>
-            <a:endParaRPr lang="en-US" altLang="ja-JP" dirty="0"/>
+            <a:endParaRPr lang="en-US" altLang="ja-JP" strike="sngStrike" dirty="0"/>
           </a:p>
         </p:txBody>
       </p:sp>
@@ -52863,6 +52949,82 @@
           </a:p>
         </p:txBody>
       </p:sp>
+      <p:sp>
+        <p:nvSpPr>
+          <p:cNvPr id="7" name="正方形/長方形 6">
+            <a:extLst>
+              <a:ext uri="{FF2B5EF4-FFF2-40B4-BE49-F238E27FC236}">
+                <a16:creationId xmlns:a16="http://schemas.microsoft.com/office/drawing/2014/main" id="{76E2C88F-05FA-45A2-916E-91F8E01D535A}"/>
+              </a:ext>
+            </a:extLst>
+          </p:cNvPr>
+          <p:cNvSpPr/>
+          <p:nvPr/>
+        </p:nvSpPr>
+        <p:spPr>
+          <a:xfrm>
+            <a:off x="4572000" y="1349896"/>
+            <a:ext cx="4392488" cy="1143000"/>
+          </a:xfrm>
+          <a:prstGeom prst="rect">
+            <a:avLst/>
+          </a:prstGeom>
+          <a:solidFill>
+            <a:srgbClr val="FFFF00"/>
+          </a:solidFill>
+        </p:spPr>
+        <p:style>
+          <a:lnRef idx="2">
+            <a:schemeClr val="accent1">
+              <a:shade val="50000"/>
+            </a:schemeClr>
+          </a:lnRef>
+          <a:fillRef idx="1">
+            <a:schemeClr val="accent1"/>
+          </a:fillRef>
+          <a:effectRef idx="0">
+            <a:schemeClr val="accent1"/>
+          </a:effectRef>
+          <a:fontRef idx="minor">
+            <a:schemeClr val="lt1"/>
+          </a:fontRef>
+        </p:style>
+        <p:txBody>
+          <a:bodyPr rtlCol="0" anchor="ctr"/>
+          <a:lstStyle/>
+          <a:p>
+            <a:r>
+              <a:rPr kumimoji="1" lang="en-US" altLang="ja-JP" dirty="0">
+                <a:solidFill>
+                  <a:srgbClr val="FF0000"/>
+                </a:solidFill>
+              </a:rPr>
+              <a:t>9/28 </a:t>
+            </a:r>
+            <a:r>
+              <a:rPr kumimoji="1" lang="ja-JP" altLang="en-US" dirty="0">
+                <a:solidFill>
+                  <a:srgbClr val="FF0000"/>
+                </a:solidFill>
+              </a:rPr>
+              <a:t>修正    トラブル時の対応を迅速に行うために以下のやり方を（当分）改めます</a:t>
+            </a:r>
+            <a:r>
+              <a:rPr lang="ja-JP" altLang="en-US" dirty="0">
+                <a:solidFill>
+                  <a:srgbClr val="FF0000"/>
+                </a:solidFill>
+              </a:rPr>
+              <a:t>（次ページ）</a:t>
+            </a:r>
+            <a:endParaRPr kumimoji="1" lang="ja-JP" altLang="en-US" dirty="0">
+              <a:solidFill>
+                <a:srgbClr val="FF0000"/>
+              </a:solidFill>
+            </a:endParaRPr>
+          </a:p>
+        </p:txBody>
+      </p:sp>
     </p:spTree>
     <p:extLst>
       <p:ext uri="{BB962C8B-B14F-4D97-AF65-F5344CB8AC3E}">
@@ -52877,6 +53039,247 @@
 </file>
 
 <file path=ppt/slides/slide11.xml><?xml version="1.0" encoding="utf-8"?>
+<p:sld xmlns:a="http://schemas.openxmlformats.org/drawingml/2006/main" xmlns:r="http://schemas.openxmlformats.org/officeDocument/2006/relationships" xmlns:p="http://schemas.openxmlformats.org/presentationml/2006/main">
+  <p:cSld>
+    <p:spTree>
+      <p:nvGrpSpPr>
+        <p:cNvPr id="1" name=""/>
+        <p:cNvGrpSpPr/>
+        <p:nvPr/>
+      </p:nvGrpSpPr>
+      <p:grpSpPr>
+        <a:xfrm>
+          <a:off x="0" y="0"/>
+          <a:ext cx="0" cy="0"/>
+          <a:chOff x="0" y="0"/>
+          <a:chExt cx="0" cy="0"/>
+        </a:xfrm>
+      </p:grpSpPr>
+      <p:sp>
+        <p:nvSpPr>
+          <p:cNvPr id="2" name="タイトル 1">
+            <a:extLst>
+              <a:ext uri="{FF2B5EF4-FFF2-40B4-BE49-F238E27FC236}">
+                <a16:creationId xmlns:a16="http://schemas.microsoft.com/office/drawing/2014/main" id="{A5DAF1F3-7A4F-44A1-AC7E-0CD9A2D524AF}"/>
+              </a:ext>
+            </a:extLst>
+          </p:cNvPr>
+          <p:cNvSpPr>
+            <a:spLocks noGrp="1"/>
+          </p:cNvSpPr>
+          <p:nvPr>
+            <p:ph type="title"/>
+          </p:nvPr>
+        </p:nvSpPr>
+        <p:spPr/>
+        <p:txBody>
+          <a:bodyPr/>
+          <a:lstStyle/>
+          <a:p>
+            <a:r>
+              <a:rPr lang="ja-JP" altLang="en-US" dirty="0"/>
+              <a:t>取り消し方法</a:t>
+            </a:r>
+            <a:endParaRPr kumimoji="1" lang="ja-JP" altLang="en-US" dirty="0"/>
+          </a:p>
+        </p:txBody>
+      </p:sp>
+      <p:sp>
+        <p:nvSpPr>
+          <p:cNvPr id="3" name="コンテンツ プレースホルダー 2">
+            <a:extLst>
+              <a:ext uri="{FF2B5EF4-FFF2-40B4-BE49-F238E27FC236}">
+                <a16:creationId xmlns:a16="http://schemas.microsoft.com/office/drawing/2014/main" id="{33B9FD86-B0C8-4038-A29E-93B77F2C9E4F}"/>
+              </a:ext>
+            </a:extLst>
+          </p:cNvPr>
+          <p:cNvSpPr>
+            <a:spLocks noGrp="1"/>
+          </p:cNvSpPr>
+          <p:nvPr>
+            <p:ph idx="1"/>
+          </p:nvPr>
+        </p:nvSpPr>
+        <p:spPr/>
+        <p:txBody>
+          <a:bodyPr>
+            <a:normAutofit lnSpcReduction="10000"/>
+          </a:bodyPr>
+          <a:lstStyle/>
+          <a:p>
+            <a:r>
+              <a:rPr lang="ja-JP" altLang="en-US" dirty="0"/>
+              <a:t>基本は取り消さない</a:t>
+            </a:r>
+            <a:endParaRPr lang="en-US" altLang="ja-JP" dirty="0"/>
+          </a:p>
+          <a:p>
+            <a:r>
+              <a:rPr lang="ja-JP" altLang="en-US" dirty="0"/>
+              <a:t>トラブルが生じるなど取り消しが必要な場合、通常の</a:t>
+            </a:r>
+            <a:r>
+              <a:rPr lang="en-US" altLang="ja-JP" dirty="0" err="1"/>
+              <a:t>utelecon</a:t>
+            </a:r>
+            <a:r>
+              <a:rPr lang="ja-JP" altLang="en-US" dirty="0"/>
+              <a:t>サポート窓口 </a:t>
+            </a:r>
+            <a:r>
+              <a:rPr lang="en-US" altLang="ja-JP" dirty="0">
+                <a:hlinkClick r:id="rId2"/>
+              </a:rPr>
+              <a:t>https://utelecon.adm.u-tokyo.ac.jp/support/</a:t>
+            </a:r>
+            <a:r>
+              <a:rPr lang="en-US" altLang="ja-JP" dirty="0"/>
+              <a:t> </a:t>
+            </a:r>
+            <a:r>
+              <a:rPr lang="ja-JP" altLang="en-US" dirty="0"/>
+              <a:t>メールフォームからお申し込みください</a:t>
+            </a:r>
+            <a:endParaRPr lang="en-US" altLang="ja-JP" dirty="0"/>
+          </a:p>
+          <a:p>
+            <a:r>
+              <a:rPr lang="en-US" altLang="ja-JP" dirty="0"/>
+              <a:t>UTokyo Account</a:t>
+            </a:r>
+            <a:r>
+              <a:rPr lang="ja-JP" altLang="en-US" dirty="0"/>
+              <a:t>をご記入ください</a:t>
+            </a:r>
+            <a:endParaRPr lang="en-US" altLang="ja-JP" dirty="0"/>
+          </a:p>
+          <a:p>
+            <a:r>
+              <a:rPr lang="ja-JP" altLang="en-US" dirty="0"/>
+              <a:t>リセットをする場合でも、トラブルの</a:t>
+            </a:r>
+            <a:r>
+              <a:rPr lang="ja-JP" altLang="en-US"/>
+              <a:t>症状を記入</a:t>
+            </a:r>
+            <a:r>
+              <a:rPr lang="ja-JP" altLang="en-US" dirty="0"/>
+              <a:t>いただけると幸いです</a:t>
+            </a:r>
+            <a:endParaRPr lang="en-US" altLang="ja-JP" dirty="0"/>
+          </a:p>
+        </p:txBody>
+      </p:sp>
+      <p:sp>
+        <p:nvSpPr>
+          <p:cNvPr id="4" name="日付プレースホルダー 3">
+            <a:extLst>
+              <a:ext uri="{FF2B5EF4-FFF2-40B4-BE49-F238E27FC236}">
+                <a16:creationId xmlns:a16="http://schemas.microsoft.com/office/drawing/2014/main" id="{5ACACDF0-8057-4701-8AAB-61B30B4A0003}"/>
+              </a:ext>
+            </a:extLst>
+          </p:cNvPr>
+          <p:cNvSpPr>
+            <a:spLocks noGrp="1"/>
+          </p:cNvSpPr>
+          <p:nvPr>
+            <p:ph type="dt" sz="half" idx="10"/>
+          </p:nvPr>
+        </p:nvSpPr>
+        <p:spPr/>
+        <p:txBody>
+          <a:bodyPr/>
+          <a:lstStyle/>
+          <a:p>
+            <a:r>
+              <a:rPr kumimoji="1" lang="en-US" altLang="ja-JP"/>
+              <a:t>2021/9/15</a:t>
+            </a:r>
+            <a:endParaRPr kumimoji="1" lang="ja-JP" altLang="en-US"/>
+          </a:p>
+        </p:txBody>
+      </p:sp>
+      <p:sp>
+        <p:nvSpPr>
+          <p:cNvPr id="5" name="フッター プレースホルダー 4">
+            <a:extLst>
+              <a:ext uri="{FF2B5EF4-FFF2-40B4-BE49-F238E27FC236}">
+                <a16:creationId xmlns:a16="http://schemas.microsoft.com/office/drawing/2014/main" id="{AE089F74-1FEF-4611-BCB0-2C5453FF3F4B}"/>
+              </a:ext>
+            </a:extLst>
+          </p:cNvPr>
+          <p:cNvSpPr>
+            <a:spLocks noGrp="1"/>
+          </p:cNvSpPr>
+          <p:nvPr>
+            <p:ph type="ftr" sz="quarter" idx="11"/>
+          </p:nvPr>
+        </p:nvSpPr>
+        <p:spPr/>
+        <p:txBody>
+          <a:bodyPr/>
+          <a:lstStyle/>
+          <a:p>
+            <a:r>
+              <a:rPr kumimoji="1" lang="en-US" altLang="ja-JP"/>
+              <a:t>2021A</a:t>
+            </a:r>
+            <a:r>
+              <a:rPr kumimoji="1" lang="ja-JP" altLang="en-US"/>
+              <a:t>セメスタ説明会 </a:t>
+            </a:r>
+            <a:r>
+              <a:rPr kumimoji="1" lang="en-US" altLang="ja-JP"/>
+              <a:t>https://utelecon.adm.u-tokyo.ac.jp/</a:t>
+            </a:r>
+            <a:endParaRPr kumimoji="1" lang="ja-JP" altLang="en-US" dirty="0"/>
+          </a:p>
+        </p:txBody>
+      </p:sp>
+      <p:sp>
+        <p:nvSpPr>
+          <p:cNvPr id="6" name="スライド番号プレースホルダー 5">
+            <a:extLst>
+              <a:ext uri="{FF2B5EF4-FFF2-40B4-BE49-F238E27FC236}">
+                <a16:creationId xmlns:a16="http://schemas.microsoft.com/office/drawing/2014/main" id="{781A5183-EF6B-4AC8-BBAD-20235471BE30}"/>
+              </a:ext>
+            </a:extLst>
+          </p:cNvPr>
+          <p:cNvSpPr>
+            <a:spLocks noGrp="1"/>
+          </p:cNvSpPr>
+          <p:nvPr>
+            <p:ph type="sldNum" sz="quarter" idx="12"/>
+          </p:nvPr>
+        </p:nvSpPr>
+        <p:spPr/>
+        <p:txBody>
+          <a:bodyPr/>
+          <a:lstStyle/>
+          <a:p>
+            <a:fld id="{EDF77D8D-9987-453A-9A05-EB91CA595C68}" type="slidenum">
+              <a:rPr kumimoji="1" lang="ja-JP" altLang="en-US" smtClean="0"/>
+              <a:pPr/>
+              <a:t>11</a:t>
+            </a:fld>
+            <a:endParaRPr kumimoji="1" lang="ja-JP" altLang="en-US"/>
+          </a:p>
+        </p:txBody>
+      </p:sp>
+    </p:spTree>
+    <p:extLst>
+      <p:ext uri="{BB962C8B-B14F-4D97-AF65-F5344CB8AC3E}">
+        <p14:creationId xmlns:p14="http://schemas.microsoft.com/office/powerpoint/2010/main" val="3652114238"/>
+      </p:ext>
+    </p:extLst>
+  </p:cSld>
+  <p:clrMapOvr>
+    <a:masterClrMapping/>
+  </p:clrMapOvr>
+</p:sld>
+</file>
+
+<file path=ppt/slides/slide12.xml><?xml version="1.0" encoding="utf-8"?>
 <p:sld xmlns:a="http://schemas.openxmlformats.org/drawingml/2006/main" xmlns:r="http://schemas.openxmlformats.org/officeDocument/2006/relationships" xmlns:p="http://schemas.openxmlformats.org/presentationml/2006/main">
   <p:cSld>
     <p:spTree>
@@ -53011,7 +53414,7 @@
             <a:fld id="{EDF77D8D-9987-453A-9A05-EB91CA595C68}" type="slidenum">
               <a:rPr kumimoji="1" lang="ja-JP" altLang="en-US" smtClean="0"/>
               <a:pPr/>
-              <a:t>11</a:t>
+              <a:t>12</a:t>
             </a:fld>
             <a:endParaRPr kumimoji="1" lang="ja-JP" altLang="en-US"/>
           </a:p>
@@ -53855,7 +54258,7 @@
 </p:sld>
 </file>
 
-<file path=ppt/slides/slide12.xml><?xml version="1.0" encoding="utf-8"?>
+<file path=ppt/slides/slide13.xml><?xml version="1.0" encoding="utf-8"?>
 <p:sld xmlns:a="http://schemas.openxmlformats.org/drawingml/2006/main" xmlns:r="http://schemas.openxmlformats.org/officeDocument/2006/relationships" xmlns:p="http://schemas.openxmlformats.org/presentationml/2006/main">
   <p:cSld>
     <p:spTree>
@@ -54080,7 +54483,7 @@
             <a:fld id="{EDF77D8D-9987-453A-9A05-EB91CA595C68}" type="slidenum">
               <a:rPr kumimoji="1" lang="ja-JP" altLang="en-US" smtClean="0"/>
               <a:pPr/>
-              <a:t>12</a:t>
+              <a:t>13</a:t>
             </a:fld>
             <a:endParaRPr kumimoji="1" lang="ja-JP" altLang="en-US"/>
           </a:p>
